--- a/Documents/Greendel presentation/presentation_final_2.pptx
+++ b/Documents/Greendel presentation/presentation_final_2.pptx
@@ -5,7 +5,7 @@
     <p:sldMasterId id="2147483648" r:id="rId1"/>
   </p:sldMasterIdLst>
   <p:notesMasterIdLst>
-    <p:notesMasterId r:id="rId15"/>
+    <p:notesMasterId r:id="rId14"/>
   </p:notesMasterIdLst>
   <p:sldIdLst>
     <p:sldId id="256" r:id="rId2"/>
@@ -14,13 +14,12 @@
     <p:sldId id="267" r:id="rId5"/>
     <p:sldId id="259" r:id="rId6"/>
     <p:sldId id="263" r:id="rId7"/>
-    <p:sldId id="276" r:id="rId8"/>
-    <p:sldId id="265" r:id="rId9"/>
-    <p:sldId id="277" r:id="rId10"/>
-    <p:sldId id="266" r:id="rId11"/>
-    <p:sldId id="268" r:id="rId12"/>
-    <p:sldId id="278" r:id="rId13"/>
-    <p:sldId id="264" r:id="rId14"/>
+    <p:sldId id="265" r:id="rId8"/>
+    <p:sldId id="277" r:id="rId9"/>
+    <p:sldId id="266" r:id="rId10"/>
+    <p:sldId id="268" r:id="rId11"/>
+    <p:sldId id="278" r:id="rId12"/>
+    <p:sldId id="264" r:id="rId13"/>
   </p:sldIdLst>
   <p:sldSz cx="9144000" cy="6858000" type="screen4x3"/>
   <p:notesSz cx="6858000" cy="9144000"/>
@@ -374,7 +373,7 @@
     </p:spTree>
     <p:extLst>
       <p:ext uri="{BB962C8B-B14F-4D97-AF65-F5344CB8AC3E}">
-        <p14:creationId xmlns:p14="http://schemas.microsoft.com/office/powerpoint/2010/main" xmlns="" val="1440283474"/>
+        <p14:creationId xmlns:p14="http://schemas.microsoft.com/office/powerpoint/2010/main" val="1440283474"/>
       </p:ext>
     </p:extLst>
   </p:cSld>
@@ -610,7 +609,7 @@
     </p:spTree>
     <p:extLst>
       <p:ext uri="{BB962C8B-B14F-4D97-AF65-F5344CB8AC3E}">
-        <p14:creationId xmlns:p14="http://schemas.microsoft.com/office/powerpoint/2010/main" xmlns="" val="3424592196"/>
+        <p14:creationId xmlns:p14="http://schemas.microsoft.com/office/powerpoint/2010/main" val="3424592196"/>
       </p:ext>
     </p:extLst>
   </p:cSld>
@@ -820,7 +819,7 @@
     </p:spTree>
     <p:extLst>
       <p:ext uri="{BB962C8B-B14F-4D97-AF65-F5344CB8AC3E}">
-        <p14:creationId xmlns:p14="http://schemas.microsoft.com/office/powerpoint/2010/main" xmlns="" val="2251729579"/>
+        <p14:creationId xmlns:p14="http://schemas.microsoft.com/office/powerpoint/2010/main" val="2251729579"/>
       </p:ext>
     </p:extLst>
   </p:cSld>
@@ -917,7 +916,7 @@
     </p:spTree>
     <p:extLst>
       <p:ext uri="{BB962C8B-B14F-4D97-AF65-F5344CB8AC3E}">
-        <p14:creationId xmlns:p14="http://schemas.microsoft.com/office/powerpoint/2010/main" xmlns="" val="408599729"/>
+        <p14:creationId xmlns:p14="http://schemas.microsoft.com/office/powerpoint/2010/main" val="408599729"/>
       </p:ext>
     </p:extLst>
   </p:cSld>
@@ -972,24 +971,8 @@
           <a:lstStyle/>
           <a:p>
             <a:r>
-              <a:rPr lang="en-US" dirty="0" err="1" smtClean="0"/>
-              <a:t>Neljä</a:t>
-            </a:r>
-            <a:r>
-              <a:rPr lang="en-US" baseline="0" dirty="0" smtClean="0"/>
-              <a:t> </a:t>
-            </a:r>
-            <a:r>
-              <a:rPr lang="en-US" baseline="0" dirty="0" err="1" smtClean="0"/>
-              <a:t>ryhmää</a:t>
-            </a:r>
-            <a:r>
-              <a:rPr lang="en-US" baseline="0" dirty="0" smtClean="0"/>
-              <a:t> </a:t>
-            </a:r>
-            <a:r>
-              <a:rPr lang="en-US" baseline="0" dirty="0" err="1" smtClean="0"/>
-              <a:t>tähän</a:t>
+              <a:rPr lang="en-US" dirty="0" smtClean="0"/>
+              <a:t>VAATII HUOMIOTA</a:t>
             </a:r>
             <a:endParaRPr lang="en-US" dirty="0"/>
           </a:p>
@@ -1013,7 +996,7 @@
             <a:fld id="{E98B8960-CAFA-4148-BCEB-5ADCF657DA97}" type="slidenum">
               <a:rPr lang="en-US" smtClean="0"/>
               <a:pPr/>
-              <a:t>7</a:t>
+              <a:t>8</a:t>
             </a:fld>
             <a:endParaRPr lang="en-US"/>
           </a:p>
@@ -1022,7 +1005,7 @@
     </p:spTree>
     <p:extLst>
       <p:ext uri="{BB962C8B-B14F-4D97-AF65-F5344CB8AC3E}">
-        <p14:creationId xmlns:p14="http://schemas.microsoft.com/office/powerpoint/2010/main" xmlns="" val="1138888695"/>
+        <p14:creationId xmlns:p14="http://schemas.microsoft.com/office/powerpoint/2010/main" val="1832668249"/>
       </p:ext>
     </p:extLst>
   </p:cSld>
@@ -1076,95 +1059,6 @@
           <a:bodyPr/>
           <a:lstStyle/>
           <a:p>
-            <a:r>
-              <a:rPr lang="en-US" dirty="0" smtClean="0"/>
-              <a:t>VAATII HUOMIOTA</a:t>
-            </a:r>
-            <a:endParaRPr lang="en-US" dirty="0"/>
-          </a:p>
-        </p:txBody>
-      </p:sp>
-      <p:sp>
-        <p:nvSpPr>
-          <p:cNvPr id="4" name="Slide Number Placeholder 3"/>
-          <p:cNvSpPr>
-            <a:spLocks noGrp="1"/>
-          </p:cNvSpPr>
-          <p:nvPr>
-            <p:ph type="sldNum" sz="quarter" idx="10"/>
-          </p:nvPr>
-        </p:nvSpPr>
-        <p:spPr/>
-        <p:txBody>
-          <a:bodyPr/>
-          <a:lstStyle/>
-          <a:p>
-            <a:fld id="{E98B8960-CAFA-4148-BCEB-5ADCF657DA97}" type="slidenum">
-              <a:rPr lang="en-US" smtClean="0"/>
-              <a:pPr/>
-              <a:t>9</a:t>
-            </a:fld>
-            <a:endParaRPr lang="en-US"/>
-          </a:p>
-        </p:txBody>
-      </p:sp>
-    </p:spTree>
-    <p:extLst>
-      <p:ext uri="{BB962C8B-B14F-4D97-AF65-F5344CB8AC3E}">
-        <p14:creationId xmlns:p14="http://schemas.microsoft.com/office/powerpoint/2010/main" xmlns="" val="1832668249"/>
-      </p:ext>
-    </p:extLst>
-  </p:cSld>
-  <p:clrMapOvr>
-    <a:masterClrMapping/>
-  </p:clrMapOvr>
-</p:notes>
-</file>
-
-<file path=ppt/notesSlides/notesSlide6.xml><?xml version="1.0" encoding="utf-8"?>
-<p:notes xmlns:a="http://schemas.openxmlformats.org/drawingml/2006/main" xmlns:r="http://schemas.openxmlformats.org/officeDocument/2006/relationships" xmlns:p="http://schemas.openxmlformats.org/presentationml/2006/main">
-  <p:cSld>
-    <p:spTree>
-      <p:nvGrpSpPr>
-        <p:cNvPr id="1" name=""/>
-        <p:cNvGrpSpPr/>
-        <p:nvPr/>
-      </p:nvGrpSpPr>
-      <p:grpSpPr>
-        <a:xfrm>
-          <a:off x="0" y="0"/>
-          <a:ext cx="0" cy="0"/>
-          <a:chOff x="0" y="0"/>
-          <a:chExt cx="0" cy="0"/>
-        </a:xfrm>
-      </p:grpSpPr>
-      <p:sp>
-        <p:nvSpPr>
-          <p:cNvPr id="2" name="Slide Image Placeholder 1"/>
-          <p:cNvSpPr>
-            <a:spLocks noGrp="1" noRot="1" noChangeAspect="1"/>
-          </p:cNvSpPr>
-          <p:nvPr>
-            <p:ph type="sldImg"/>
-          </p:nvPr>
-        </p:nvSpPr>
-        <p:spPr/>
-      </p:sp>
-      <p:sp>
-        <p:nvSpPr>
-          <p:cNvPr id="3" name="Notes Placeholder 2"/>
-          <p:cNvSpPr>
-            <a:spLocks noGrp="1"/>
-          </p:cNvSpPr>
-          <p:nvPr>
-            <p:ph type="body" idx="1"/>
-          </p:nvPr>
-        </p:nvSpPr>
-        <p:spPr/>
-        <p:txBody>
-          <a:bodyPr/>
-          <a:lstStyle/>
-          <a:p>
             <a:pPr marL="0" marR="0" indent="0" algn="l" defTabSz="457200" rtl="0" eaLnBrk="1" fontAlgn="auto" latinLnBrk="0" hangingPunct="1">
               <a:lnSpc>
                 <a:spcPct val="100000"/>
@@ -1377,7 +1271,7 @@
             <a:fld id="{E98B8960-CAFA-4148-BCEB-5ADCF657DA97}" type="slidenum">
               <a:rPr lang="en-US" smtClean="0"/>
               <a:pPr/>
-              <a:t>11</a:t>
+              <a:t>10</a:t>
             </a:fld>
             <a:endParaRPr lang="en-US"/>
           </a:p>
@@ -1386,7 +1280,7 @@
     </p:spTree>
     <p:extLst>
       <p:ext uri="{BB962C8B-B14F-4D97-AF65-F5344CB8AC3E}">
-        <p14:creationId xmlns:p14="http://schemas.microsoft.com/office/powerpoint/2010/main" xmlns="" val="4032575601"/>
+        <p14:creationId xmlns:p14="http://schemas.microsoft.com/office/powerpoint/2010/main" val="4032575601"/>
       </p:ext>
     </p:extLst>
   </p:cSld>
@@ -3830,12 +3724,12 @@
     <p:bg>
       <p:bgPr>
         <a:blipFill dpi="0" rotWithShape="1">
-          <a:blip r:embed="rId13" cstate="print">
+          <a:blip r:embed="rId13">
             <a:lum/>
           </a:blip>
           <a:srcRect/>
           <a:stretch>
-            <a:fillRect l="-16000" r="-16000" b="-4000"/>
+            <a:fillRect l="-3000" r="-3000"/>
           </a:stretch>
         </a:blipFill>
         <a:effectLst/>
@@ -4369,8 +4263,8 @@
         </p:nvSpPr>
         <p:spPr>
           <a:xfrm>
-            <a:off x="971600" y="1200151"/>
-            <a:ext cx="6768752" cy="3957042"/>
+            <a:off x="971600" y="1052736"/>
+            <a:ext cx="7128792" cy="4824536"/>
           </a:xfrm>
         </p:spPr>
         <p:txBody>
@@ -4517,15 +4411,7 @@
                   <a:schemeClr val="bg1"/>
                 </a:solidFill>
               </a:rPr>
-              <a:t> </a:t>
-            </a:r>
-            <a:r>
-              <a:rPr lang="en-US" sz="1800" dirty="0" smtClean="0">
-                <a:solidFill>
-                  <a:schemeClr val="bg1"/>
-                </a:solidFill>
-              </a:rPr>
-              <a:t>Johansson</a:t>
+              <a:t> Johansson</a:t>
             </a:r>
           </a:p>
           <a:p>
@@ -4557,15 +4443,7 @@
                   <a:schemeClr val="bg1"/>
                 </a:solidFill>
               </a:rPr>
-              <a:t> </a:t>
-            </a:r>
-            <a:r>
-              <a:rPr lang="en-US" sz="1800" dirty="0" smtClean="0">
-                <a:solidFill>
-                  <a:schemeClr val="bg1"/>
-                </a:solidFill>
-              </a:rPr>
-              <a:t>Knutas</a:t>
+              <a:t> Knutas</a:t>
             </a:r>
           </a:p>
           <a:p>
@@ -4612,68 +4490,6 @@
                 <a:schemeClr val="bg1"/>
               </a:solidFill>
             </a:endParaRPr>
-          </a:p>
-        </p:txBody>
-      </p:sp>
-      <p:sp>
-        <p:nvSpPr>
-          <p:cNvPr id="5" name="Tekstikehys 4"/>
-          <p:cNvSpPr txBox="1"/>
-          <p:nvPr/>
-        </p:nvSpPr>
-        <p:spPr>
-          <a:xfrm>
-            <a:off x="4716016" y="1628800"/>
-            <a:ext cx="2880320" cy="1216039"/>
-          </a:xfrm>
-          <a:prstGeom prst="rect">
-            <a:avLst/>
-          </a:prstGeom>
-          <a:noFill/>
-        </p:spPr>
-        <p:txBody>
-          <a:bodyPr wrap="square" rtlCol="0">
-            <a:spAutoFit/>
-          </a:bodyPr>
-          <a:lstStyle/>
-          <a:p>
-            <a:pPr>
-              <a:lnSpc>
-                <a:spcPct val="250000"/>
-              </a:lnSpc>
-            </a:pPr>
-            <a:r>
-              <a:rPr lang="en-US" sz="1600" dirty="0" smtClean="0">
-                <a:solidFill>
-                  <a:schemeClr val="bg1"/>
-                </a:solidFill>
-              </a:rPr>
-              <a:t>Software Design</a:t>
-            </a:r>
-            <a:br>
-              <a:rPr lang="en-US" sz="1600" dirty="0" smtClean="0">
-                <a:solidFill>
-                  <a:schemeClr val="bg1"/>
-                </a:solidFill>
-              </a:rPr>
-            </a:br>
-            <a:r>
-              <a:rPr lang="en-US" sz="1600" dirty="0" smtClean="0">
-                <a:solidFill>
-                  <a:schemeClr val="bg1"/>
-                </a:solidFill>
-              </a:rPr>
-              <a:t>Interoperability </a:t>
-            </a:r>
-            <a:r>
-              <a:rPr lang="en-US" sz="1600" dirty="0" smtClean="0">
-                <a:solidFill>
-                  <a:schemeClr val="bg1"/>
-                </a:solidFill>
-              </a:rPr>
-              <a:t>Award</a:t>
-            </a:r>
-            <a:endParaRPr lang="fi-FI" sz="1600" dirty="0"/>
           </a:p>
         </p:txBody>
       </p:sp>
@@ -4685,23 +4501,152 @@
           </p:cNvPicPr>
           <p:nvPr/>
         </p:nvPicPr>
-        <p:blipFill>
+        <p:blipFill rotWithShape="1">
           <a:blip r:embed="rId2" cstate="print"/>
-          <a:srcRect l="61424" t="59879" r="30701" b="6339"/>
-          <a:stretch>
-            <a:fillRect/>
-          </a:stretch>
+          <a:srcRect l="62436" t="62562" r="31479" b="10026"/>
+          <a:stretch/>
         </p:blipFill>
         <p:spPr>
           <a:xfrm>
-            <a:off x="4211960" y="1772816"/>
-            <a:ext cx="399402" cy="382078"/>
+            <a:off x="1428600" y="2060848"/>
+            <a:ext cx="407096" cy="408930"/>
+          </a:xfrm>
+          <a:prstGeom prst="roundRect">
+            <a:avLst/>
+          </a:prstGeom>
+        </p:spPr>
+      </p:pic>
+      <p:pic>
+        <p:nvPicPr>
+          <p:cNvPr id="8" name="Picture 2" descr="C:\TeamCloverBackUp\Documents\Greendel presentation\IT_challenge.png"/>
+          <p:cNvPicPr>
+            <a:picLocks noChangeAspect="1" noChangeArrowheads="1"/>
+          </p:cNvPicPr>
+          <p:nvPr/>
+        </p:nvPicPr>
+        <p:blipFill rotWithShape="1">
+          <a:blip r:embed="rId3">
+            <a:extLst>
+              <a:ext uri="{28A0092B-C50C-407E-A947-70E740481C1C}">
+                <a14:useLocalDpi xmlns:a14="http://schemas.microsoft.com/office/drawing/2010/main" val="0"/>
+              </a:ext>
+            </a:extLst>
+          </a:blip>
+          <a:srcRect l="59014" t="64636" r="35036" b="8569"/>
+          <a:stretch/>
+        </p:blipFill>
+        <p:spPr bwMode="auto">
+          <a:xfrm>
+            <a:off x="4805783" y="2050580"/>
+            <a:ext cx="417445" cy="419198"/>
+          </a:xfrm>
+          <a:prstGeom prst="roundRect">
+            <a:avLst/>
+          </a:prstGeom>
+          <a:noFill/>
+          <a:extLst>
+            <a:ext uri="{909E8E84-426E-40DD-AFC4-6F175D3DCCD1}">
+              <a14:hiddenFill xmlns:a14="http://schemas.microsoft.com/office/drawing/2010/main">
+                <a:solidFill>
+                  <a:srgbClr val="FFFFFF"/>
+                </a:solidFill>
+              </a14:hiddenFill>
+            </a:ext>
+          </a:extLst>
+        </p:spPr>
+      </p:pic>
+      <p:sp>
+        <p:nvSpPr>
+          <p:cNvPr id="4" name="Tekstiruutu 3"/>
+          <p:cNvSpPr txBox="1"/>
+          <p:nvPr/>
+        </p:nvSpPr>
+        <p:spPr>
+          <a:xfrm>
+            <a:off x="5299038" y="2060848"/>
+            <a:ext cx="2315057" cy="369332"/>
           </a:xfrm>
           <a:prstGeom prst="rect">
             <a:avLst/>
           </a:prstGeom>
+          <a:noFill/>
         </p:spPr>
-      </p:pic>
+        <p:txBody>
+          <a:bodyPr wrap="none" rtlCol="0">
+            <a:spAutoFit/>
+          </a:bodyPr>
+          <a:lstStyle/>
+          <a:p>
+            <a:r>
+              <a:rPr lang="fi-FI" sz="1600" dirty="0" err="1" smtClean="0">
+                <a:solidFill>
+                  <a:schemeClr val="bg1"/>
+                </a:solidFill>
+              </a:rPr>
+              <a:t>Interoperability</a:t>
+            </a:r>
+            <a:r>
+              <a:rPr lang="fi-FI" sz="1600" dirty="0" smtClean="0">
+                <a:solidFill>
+                  <a:schemeClr val="bg1"/>
+                </a:solidFill>
+              </a:rPr>
+              <a:t> </a:t>
+            </a:r>
+            <a:r>
+              <a:rPr lang="fi-FI" dirty="0" err="1" smtClean="0">
+                <a:solidFill>
+                  <a:schemeClr val="bg1"/>
+                </a:solidFill>
+              </a:rPr>
+              <a:t>award</a:t>
+            </a:r>
+            <a:endParaRPr lang="fi-FI" dirty="0">
+              <a:solidFill>
+                <a:schemeClr val="bg1"/>
+              </a:solidFill>
+            </a:endParaRPr>
+          </a:p>
+        </p:txBody>
+      </p:sp>
+      <p:sp>
+        <p:nvSpPr>
+          <p:cNvPr id="9" name="Tekstiruutu 8"/>
+          <p:cNvSpPr txBox="1"/>
+          <p:nvPr/>
+        </p:nvSpPr>
+        <p:spPr>
+          <a:xfrm>
+            <a:off x="1979712" y="2107466"/>
+            <a:ext cx="1683474" cy="338554"/>
+          </a:xfrm>
+          <a:prstGeom prst="rect">
+            <a:avLst/>
+          </a:prstGeom>
+          <a:noFill/>
+        </p:spPr>
+        <p:txBody>
+          <a:bodyPr wrap="none" rtlCol="0">
+            <a:spAutoFit/>
+          </a:bodyPr>
+          <a:lstStyle/>
+          <a:p>
+            <a:r>
+              <a:rPr lang="fi-FI" sz="1600" dirty="0" smtClean="0">
+                <a:solidFill>
+                  <a:schemeClr val="bg1"/>
+                </a:solidFill>
+              </a:rPr>
+              <a:t>Software design</a:t>
+            </a:r>
+            <a:endParaRPr lang="fi-FI" dirty="0">
+              <a:solidFill>
+                <a:schemeClr val="bg1"/>
+              </a:solidFill>
+            </a:endParaRPr>
+          </a:p>
+        </p:txBody>
+      </p:sp>
     </p:spTree>
   </p:cSld>
   <p:clrMapOvr>
@@ -4746,8 +4691,8 @@
         </p:nvSpPr>
         <p:spPr>
           <a:xfrm>
-            <a:off x="971600" y="1200150"/>
-            <a:ext cx="6768752" cy="4245074"/>
+            <a:off x="1043608" y="1200150"/>
+            <a:ext cx="6624736" cy="4461098"/>
           </a:xfrm>
         </p:spPr>
         <p:txBody>
@@ -4768,13 +4713,8 @@
                   <a:srgbClr val="00CC00"/>
                 </a:solidFill>
               </a:rPr>
-              <a:t>Benefits</a:t>
-            </a:r>
-            <a:endParaRPr lang="en-US" sz="2400" dirty="0" smtClean="0">
-              <a:solidFill>
-                <a:srgbClr val="00CC00"/>
-              </a:solidFill>
-            </a:endParaRPr>
+              <a:t>Business Case</a:t>
+            </a:r>
           </a:p>
           <a:p>
             <a:pPr>
@@ -4788,8 +4728,224 @@
                   <a:schemeClr val="bg1"/>
                 </a:solidFill>
               </a:rPr>
-              <a:t>Global encouragement for green power production</a:t>
-            </a:r>
+              <a:t>Households:</a:t>
+            </a:r>
+          </a:p>
+          <a:p>
+            <a:pPr lvl="1">
+              <a:lnSpc>
+                <a:spcPct val="150000"/>
+              </a:lnSpc>
+            </a:pPr>
+            <a:r>
+              <a:rPr lang="tr-TR" sz="1800" dirty="0">
+                <a:solidFill>
+                  <a:schemeClr val="bg1"/>
+                </a:solidFill>
+              </a:rPr>
+              <a:t>Finland: 	  </a:t>
+            </a:r>
+            <a:r>
+              <a:rPr lang="tr-TR" sz="1800" dirty="0" smtClean="0">
+                <a:solidFill>
+                  <a:schemeClr val="bg1"/>
+                </a:solidFill>
+              </a:rPr>
+              <a:t>     </a:t>
+            </a:r>
+            <a:r>
+              <a:rPr lang="tr-TR" sz="1800" dirty="0" smtClean="0">
+                <a:solidFill>
+                  <a:schemeClr val="bg1"/>
+                </a:solidFill>
+              </a:rPr>
+              <a:t> 2</a:t>
+            </a:r>
+            <a:r>
+              <a:rPr lang="fi-FI" sz="1800" dirty="0" smtClean="0">
+                <a:solidFill>
+                  <a:schemeClr val="bg1"/>
+                </a:solidFill>
+              </a:rPr>
+              <a:t> </a:t>
+            </a:r>
+            <a:r>
+              <a:rPr lang="tr-TR" sz="1800" dirty="0" smtClean="0">
+                <a:solidFill>
+                  <a:schemeClr val="bg1"/>
+                </a:solidFill>
+              </a:rPr>
+              <a:t>406</a:t>
+            </a:r>
+            <a:r>
+              <a:rPr lang="fi-FI" sz="1800" dirty="0" smtClean="0">
+                <a:solidFill>
+                  <a:schemeClr val="bg1"/>
+                </a:solidFill>
+              </a:rPr>
+              <a:t> </a:t>
+            </a:r>
+            <a:r>
+              <a:rPr lang="tr-TR" sz="1800" dirty="0" smtClean="0">
+                <a:solidFill>
+                  <a:schemeClr val="bg1"/>
+                </a:solidFill>
+              </a:rPr>
+              <a:t>000</a:t>
+            </a:r>
+            <a:r>
+              <a:rPr lang="fi-FI" sz="1800" dirty="0" smtClean="0">
+                <a:solidFill>
+                  <a:schemeClr val="bg1"/>
+                </a:solidFill>
+              </a:rPr>
+              <a:t>   </a:t>
+            </a:r>
+            <a:r>
+              <a:rPr lang="tr-TR" sz="1800" dirty="0" smtClean="0">
+                <a:solidFill>
+                  <a:schemeClr val="bg1"/>
+                </a:solidFill>
+              </a:rPr>
+              <a:t>(1</a:t>
+            </a:r>
+            <a:r>
+              <a:rPr lang="tr-TR" sz="1800" dirty="0">
+                <a:solidFill>
+                  <a:schemeClr val="bg1"/>
+                </a:solidFill>
+              </a:rPr>
+              <a:t>% </a:t>
+            </a:r>
+            <a:r>
+              <a:rPr lang="tr-TR" sz="1800" dirty="0" smtClean="0">
+                <a:solidFill>
+                  <a:schemeClr val="bg1"/>
+                </a:solidFill>
+              </a:rPr>
+              <a:t>   24060)</a:t>
+            </a:r>
+            <a:endParaRPr lang="tr-TR" sz="1800" dirty="0">
+              <a:solidFill>
+                <a:schemeClr val="bg1"/>
+              </a:solidFill>
+            </a:endParaRPr>
+          </a:p>
+          <a:p>
+            <a:pPr lvl="1">
+              <a:lnSpc>
+                <a:spcPct val="150000"/>
+              </a:lnSpc>
+            </a:pPr>
+            <a:r>
+              <a:rPr lang="tr-TR" sz="1800" dirty="0" smtClean="0">
+                <a:solidFill>
+                  <a:schemeClr val="bg1"/>
+                </a:solidFill>
+              </a:rPr>
+              <a:t>California:</a:t>
+            </a:r>
+            <a:r>
+              <a:rPr lang="fi-FI" sz="1800" dirty="0" smtClean="0">
+                <a:solidFill>
+                  <a:schemeClr val="bg1"/>
+                </a:solidFill>
+              </a:rPr>
+              <a:t>        </a:t>
+            </a:r>
+            <a:r>
+              <a:rPr lang="tr-TR" sz="1800" dirty="0" smtClean="0">
+                <a:solidFill>
+                  <a:schemeClr val="bg1"/>
+                </a:solidFill>
+              </a:rPr>
+              <a:t>13</a:t>
+            </a:r>
+            <a:r>
+              <a:rPr lang="fi-FI" sz="1800" dirty="0" smtClean="0">
+                <a:solidFill>
+                  <a:schemeClr val="bg1"/>
+                </a:solidFill>
+              </a:rPr>
+              <a:t> </a:t>
+            </a:r>
+            <a:r>
+              <a:rPr lang="tr-TR" sz="1800" dirty="0" smtClean="0">
+                <a:solidFill>
+                  <a:schemeClr val="bg1"/>
+                </a:solidFill>
+              </a:rPr>
+              <a:t>433</a:t>
+            </a:r>
+            <a:r>
+              <a:rPr lang="fi-FI" sz="1800" dirty="0" smtClean="0">
+                <a:solidFill>
+                  <a:schemeClr val="bg1"/>
+                </a:solidFill>
+              </a:rPr>
+              <a:t> </a:t>
+            </a:r>
+            <a:r>
+              <a:rPr lang="tr-TR" sz="1800" dirty="0" smtClean="0">
+                <a:solidFill>
+                  <a:schemeClr val="bg1"/>
+                </a:solidFill>
+              </a:rPr>
+              <a:t>718</a:t>
+            </a:r>
+            <a:r>
+              <a:rPr lang="fi-FI" sz="1800" dirty="0" smtClean="0">
+                <a:solidFill>
+                  <a:schemeClr val="bg1"/>
+                </a:solidFill>
+              </a:rPr>
+              <a:t>   </a:t>
+            </a:r>
+            <a:r>
+              <a:rPr lang="tr-TR" sz="1800" dirty="0" smtClean="0">
+                <a:solidFill>
+                  <a:schemeClr val="bg1"/>
+                </a:solidFill>
+              </a:rPr>
+              <a:t>(1</a:t>
+            </a:r>
+            <a:r>
+              <a:rPr lang="tr-TR" sz="1800" dirty="0">
+                <a:solidFill>
+                  <a:schemeClr val="bg1"/>
+                </a:solidFill>
+              </a:rPr>
+              <a:t>% </a:t>
+            </a:r>
+            <a:r>
+              <a:rPr lang="fi-FI" sz="1800" dirty="0" smtClean="0">
+                <a:solidFill>
+                  <a:schemeClr val="bg1"/>
+                </a:solidFill>
+              </a:rPr>
+              <a:t>  </a:t>
+            </a:r>
+            <a:r>
+              <a:rPr lang="tr-TR" sz="1800" dirty="0" smtClean="0">
+                <a:solidFill>
+                  <a:schemeClr val="bg1"/>
+                </a:solidFill>
+              </a:rPr>
+              <a:t>134337</a:t>
+            </a:r>
+            <a:r>
+              <a:rPr lang="tr-TR" sz="1800" dirty="0">
+                <a:solidFill>
+                  <a:schemeClr val="bg1"/>
+                </a:solidFill>
+              </a:rPr>
+              <a:t>)</a:t>
+            </a:r>
+            <a:endParaRPr lang="en-US" sz="1800" dirty="0" smtClean="0">
+              <a:solidFill>
+                <a:schemeClr val="bg1"/>
+              </a:solidFill>
+            </a:endParaRPr>
           </a:p>
           <a:p>
             <a:pPr>
@@ -4803,7 +4959,7 @@
                   <a:schemeClr val="bg1"/>
                 </a:solidFill>
               </a:rPr>
-              <a:t>People are willing to pay a little money in order to save a lot more money</a:t>
+              <a:t>Devices: One-time fee of 120 € (no profit)</a:t>
             </a:r>
           </a:p>
           <a:p>
@@ -4813,20 +4969,28 @@
               </a:lnSpc>
             </a:pPr>
             <a:r>
+              <a:rPr lang="en-US" sz="1800" dirty="0">
+                <a:solidFill>
+                  <a:schemeClr val="bg1"/>
+                </a:solidFill>
+              </a:rPr>
+              <a:t>Hosting costs: Estimated </a:t>
+            </a:r>
+            <a:r>
               <a:rPr lang="en-US" sz="1800" dirty="0" smtClean="0">
                 <a:solidFill>
                   <a:schemeClr val="bg1"/>
                 </a:solidFill>
               </a:rPr>
-              <a:t>If we assume a constant saving of 150W: ~1300kWh or 60e saved per year (10 % </a:t>
-            </a:r>
-            <a:r>
-              <a:rPr lang="en-US" sz="1800" dirty="0" err="1" smtClean="0">
-                <a:solidFill>
-                  <a:schemeClr val="bg1"/>
-                </a:solidFill>
-              </a:rPr>
-              <a:t>säästö</a:t>
+              <a:t>0.5 </a:t>
+            </a:r>
+            <a:r>
+              <a:rPr lang="en-US" sz="1800" dirty="0">
+                <a:solidFill>
+                  <a:schemeClr val="bg1"/>
+                </a:solidFill>
+              </a:rPr>
+              <a:t>€</a:t>
             </a:r>
             <a:r>
               <a:rPr lang="en-US" sz="1800" dirty="0" smtClean="0">
@@ -4834,7 +4998,31 @@
                   <a:schemeClr val="bg1"/>
                 </a:solidFill>
               </a:rPr>
-              <a:t> = …)</a:t>
+              <a:t> </a:t>
+            </a:r>
+            <a:r>
+              <a:rPr lang="en-US" sz="1800" dirty="0">
+                <a:solidFill>
+                  <a:schemeClr val="bg1"/>
+                </a:solidFill>
+              </a:rPr>
+              <a:t>/</a:t>
+            </a:r>
+            <a:r>
+              <a:rPr lang="en-US" sz="1800" dirty="0" smtClean="0">
+                <a:solidFill>
+                  <a:schemeClr val="bg1"/>
+                </a:solidFill>
+              </a:rPr>
+              <a:t> month / </a:t>
+            </a:r>
+            <a:r>
+              <a:rPr lang="en-US" sz="1800" dirty="0" smtClean="0">
+                <a:solidFill>
+                  <a:schemeClr val="bg1"/>
+                </a:solidFill>
+              </a:rPr>
+              <a:t>client</a:t>
             </a:r>
           </a:p>
           <a:p>
@@ -4843,18 +5031,137 @@
                 <a:spcPct val="150000"/>
               </a:lnSpc>
             </a:pPr>
-            <a:endParaRPr lang="en-US" sz="1800" dirty="0" smtClean="0">
+            <a:r>
+              <a:rPr lang="en-US" sz="1800" dirty="0" smtClean="0">
+                <a:solidFill>
+                  <a:schemeClr val="bg1"/>
+                </a:solidFill>
+              </a:rPr>
+              <a:t>Subscription: 60</a:t>
+            </a:r>
+            <a:r>
+              <a:rPr lang="en-US" sz="1800" dirty="0">
+                <a:solidFill>
+                  <a:schemeClr val="bg1"/>
+                </a:solidFill>
+              </a:rPr>
+              <a:t> </a:t>
+            </a:r>
+            <a:r>
+              <a:rPr lang="en-US" sz="1800" dirty="0" smtClean="0">
+                <a:solidFill>
+                  <a:schemeClr val="bg1"/>
+                </a:solidFill>
+              </a:rPr>
+              <a:t>€ / year </a:t>
+            </a:r>
+            <a:r>
+              <a:rPr lang="en-US" sz="1800" dirty="0">
+                <a:solidFill>
+                  <a:schemeClr val="bg1"/>
+                </a:solidFill>
+              </a:rPr>
+              <a:t>/</a:t>
+            </a:r>
+            <a:r>
+              <a:rPr lang="en-US" sz="1800" dirty="0" smtClean="0">
+                <a:solidFill>
+                  <a:schemeClr val="bg1"/>
+                </a:solidFill>
+              </a:rPr>
+              <a:t> </a:t>
+            </a:r>
+            <a:r>
+              <a:rPr lang="en-US" sz="1800" dirty="0" smtClean="0">
+                <a:solidFill>
+                  <a:schemeClr val="bg1"/>
+                </a:solidFill>
+              </a:rPr>
+              <a:t>household</a:t>
+            </a:r>
+          </a:p>
+          <a:p>
+            <a:pPr>
+              <a:lnSpc>
+                <a:spcPct val="150000"/>
+              </a:lnSpc>
+            </a:pPr>
+            <a:r>
+              <a:rPr lang="en-US" sz="1800" dirty="0" smtClean="0">
+                <a:solidFill>
+                  <a:schemeClr val="bg1"/>
+                </a:solidFill>
+              </a:rPr>
+              <a:t>Income: </a:t>
+            </a:r>
+            <a:r>
+              <a:rPr lang="en-US" sz="1800" dirty="0" smtClean="0">
+                <a:solidFill>
+                  <a:schemeClr val="bg1"/>
+                </a:solidFill>
+              </a:rPr>
+              <a:t>1 428 000 € / </a:t>
+            </a:r>
+            <a:r>
+              <a:rPr lang="en-US" sz="1800" dirty="0" smtClean="0">
+                <a:solidFill>
+                  <a:schemeClr val="bg1"/>
+                </a:solidFill>
+              </a:rPr>
+              <a:t>year in Finland</a:t>
+            </a:r>
+            <a:endParaRPr lang="en-US" sz="1800" dirty="0">
               <a:solidFill>
                 <a:schemeClr val="bg1"/>
               </a:solidFill>
             </a:endParaRPr>
           </a:p>
+          <a:p>
+            <a:pPr marL="0" indent="0">
+              <a:lnSpc>
+                <a:spcPct val="150000"/>
+              </a:lnSpc>
+              <a:buNone/>
+            </a:pPr>
+            <a:r>
+              <a:rPr lang="en-US" sz="1800" dirty="0">
+                <a:solidFill>
+                  <a:schemeClr val="bg1"/>
+                </a:solidFill>
+              </a:rPr>
+              <a:t> </a:t>
+            </a:r>
+            <a:r>
+              <a:rPr lang="en-US" sz="1800" dirty="0" smtClean="0">
+                <a:solidFill>
+                  <a:schemeClr val="bg1"/>
+                </a:solidFill>
+              </a:rPr>
+              <a:t>                   </a:t>
+            </a:r>
+            <a:r>
+              <a:rPr lang="en-US" sz="1800" dirty="0" smtClean="0">
+                <a:solidFill>
+                  <a:schemeClr val="bg1"/>
+                </a:solidFill>
+              </a:rPr>
+              <a:t>8 060 220 € / </a:t>
+            </a:r>
+            <a:r>
+              <a:rPr lang="en-US" sz="1800" dirty="0" smtClean="0">
+                <a:solidFill>
+                  <a:schemeClr val="bg1"/>
+                </a:solidFill>
+              </a:rPr>
+              <a:t>year in California</a:t>
+            </a:r>
+          </a:p>
         </p:txBody>
       </p:sp>
     </p:spTree>
     <p:extLst>
       <p:ext uri="{BB962C8B-B14F-4D97-AF65-F5344CB8AC3E}">
-        <p14:creationId xmlns:p14="http://schemas.microsoft.com/office/powerpoint/2010/main" xmlns="" val="1852724108"/>
+        <p14:creationId xmlns:p14="http://schemas.microsoft.com/office/powerpoint/2010/main" val="2911468838"/>
       </p:ext>
     </p:extLst>
   </p:cSld>
@@ -4890,7 +5197,7 @@
       </p:grpSpPr>
       <p:sp>
         <p:nvSpPr>
-          <p:cNvPr id="6" name="Content Placeholder 5"/>
+          <p:cNvPr id="3" name="Sisällön paikkamerkki 2"/>
           <p:cNvSpPr>
             <a:spLocks noGrp="1"/>
           </p:cNvSpPr>
@@ -4900,112 +5207,14 @@
         </p:nvSpPr>
         <p:spPr>
           <a:xfrm>
-            <a:off x="1043608" y="1200150"/>
-            <a:ext cx="6624736" cy="4461098"/>
+            <a:off x="899592" y="1124745"/>
+            <a:ext cx="6984776" cy="4824536"/>
           </a:xfrm>
         </p:spPr>
         <p:txBody>
-          <a:bodyPr>
-            <a:normAutofit/>
-          </a:bodyPr>
+          <a:bodyPr/>
           <a:lstStyle/>
           <a:p>
-            <a:pPr marL="0" indent="0">
-              <a:lnSpc>
-                <a:spcPct val="150000"/>
-              </a:lnSpc>
-              <a:buNone/>
-            </a:pPr>
-            <a:r>
-              <a:rPr lang="en-US" sz="2400" dirty="0" smtClean="0">
-                <a:solidFill>
-                  <a:srgbClr val="00CC00"/>
-                </a:solidFill>
-              </a:rPr>
-              <a:t>Business Case</a:t>
-            </a:r>
-          </a:p>
-          <a:p>
-            <a:pPr>
-              <a:lnSpc>
-                <a:spcPct val="150000"/>
-              </a:lnSpc>
-            </a:pPr>
-            <a:r>
-              <a:rPr lang="en-US" sz="1800" dirty="0" smtClean="0">
-                <a:solidFill>
-                  <a:schemeClr val="bg1"/>
-                </a:solidFill>
-              </a:rPr>
-              <a:t>Households:</a:t>
-            </a:r>
-          </a:p>
-          <a:p>
-            <a:pPr lvl="1">
-              <a:lnSpc>
-                <a:spcPct val="150000"/>
-              </a:lnSpc>
-            </a:pPr>
-            <a:r>
-              <a:rPr lang="tr-TR" sz="1800" dirty="0" err="1">
-                <a:solidFill>
-                  <a:schemeClr val="bg1"/>
-                </a:solidFill>
-              </a:rPr>
-              <a:t>Finland</a:t>
-            </a:r>
-            <a:r>
-              <a:rPr lang="tr-TR" sz="1800" dirty="0">
-                <a:solidFill>
-                  <a:schemeClr val="bg1"/>
-                </a:solidFill>
-              </a:rPr>
-              <a:t>: 	  </a:t>
-            </a:r>
-            <a:r>
-              <a:rPr lang="tr-TR" sz="1800" dirty="0" smtClean="0">
-                <a:solidFill>
-                  <a:schemeClr val="bg1"/>
-                </a:solidFill>
-              </a:rPr>
-              <a:t>             2’406’000 (</a:t>
-            </a:r>
-            <a:r>
-              <a:rPr lang="tr-TR" sz="1800" dirty="0">
-                <a:solidFill>
-                  <a:schemeClr val="bg1"/>
-                </a:solidFill>
-              </a:rPr>
-              <a:t>1% </a:t>
-            </a:r>
-            <a:r>
-              <a:rPr lang="tr-TR" sz="1800" dirty="0" smtClean="0">
-                <a:solidFill>
-                  <a:schemeClr val="bg1"/>
-                </a:solidFill>
-              </a:rPr>
-              <a:t>   24060)</a:t>
-            </a:r>
-            <a:endParaRPr lang="tr-TR" sz="1800" dirty="0">
-              <a:solidFill>
-                <a:schemeClr val="bg1"/>
-              </a:solidFill>
-            </a:endParaRPr>
-          </a:p>
-          <a:p>
-            <a:pPr lvl="1">
-              <a:lnSpc>
-                <a:spcPct val="150000"/>
-              </a:lnSpc>
-            </a:pPr>
-            <a:r>
-              <a:rPr lang="tr-TR" sz="1800" dirty="0">
-                <a:solidFill>
-                  <a:schemeClr val="bg1"/>
-                </a:solidFill>
-              </a:rPr>
-              <a:t>California: 	13’433’718 (1% 134337)</a:t>
-            </a:r>
             <a:endParaRPr lang="en-US" sz="1800" dirty="0" smtClean="0">
               <a:solidFill>
                 <a:schemeClr val="bg1"/>
@@ -5013,124 +5222,76 @@
             </a:endParaRPr>
           </a:p>
           <a:p>
-            <a:pPr>
-              <a:lnSpc>
-                <a:spcPct val="150000"/>
-              </a:lnSpc>
-            </a:pPr>
-            <a:r>
-              <a:rPr lang="en-US" sz="1800" dirty="0" smtClean="0">
-                <a:solidFill>
-                  <a:schemeClr val="bg1"/>
-                </a:solidFill>
-              </a:rPr>
-              <a:t>Devices: One-time fee of 120 € (no profit)</a:t>
-            </a:r>
-          </a:p>
-          <a:p>
-            <a:pPr>
-              <a:lnSpc>
-                <a:spcPct val="150000"/>
-              </a:lnSpc>
-            </a:pPr>
-            <a:r>
-              <a:rPr lang="en-US" sz="1800" dirty="0">
-                <a:solidFill>
-                  <a:schemeClr val="bg1"/>
-                </a:solidFill>
-              </a:rPr>
-              <a:t>Hosting costs: Estimated 50c per month per </a:t>
-            </a:r>
-            <a:r>
-              <a:rPr lang="en-US" sz="1800" dirty="0" smtClean="0">
-                <a:solidFill>
-                  <a:schemeClr val="bg1"/>
-                </a:solidFill>
-              </a:rPr>
-              <a:t>client</a:t>
-            </a:r>
-          </a:p>
-          <a:p>
-            <a:pPr>
-              <a:lnSpc>
-                <a:spcPct val="150000"/>
-              </a:lnSpc>
-            </a:pPr>
-            <a:r>
-              <a:rPr lang="en-US" sz="1800" dirty="0" smtClean="0">
-                <a:solidFill>
-                  <a:schemeClr val="bg1"/>
-                </a:solidFill>
-              </a:rPr>
-              <a:t>Subscription: 60</a:t>
-            </a:r>
-            <a:r>
-              <a:rPr lang="en-US" sz="1800" dirty="0">
-                <a:solidFill>
-                  <a:schemeClr val="bg1"/>
-                </a:solidFill>
-              </a:rPr>
-              <a:t> </a:t>
-            </a:r>
-            <a:r>
-              <a:rPr lang="en-US" sz="1800" dirty="0" smtClean="0">
-                <a:solidFill>
-                  <a:schemeClr val="bg1"/>
-                </a:solidFill>
-              </a:rPr>
-              <a:t>€ / year per household</a:t>
-            </a:r>
-          </a:p>
-          <a:p>
-            <a:pPr>
-              <a:lnSpc>
-                <a:spcPct val="150000"/>
-              </a:lnSpc>
-            </a:pPr>
-            <a:r>
-              <a:rPr lang="en-US" sz="1800" dirty="0" smtClean="0">
-                <a:solidFill>
-                  <a:schemeClr val="bg1"/>
-                </a:solidFill>
-              </a:rPr>
-              <a:t>Income: 1’428’000€ per year in Finland</a:t>
-            </a:r>
-            <a:endParaRPr lang="en-US" sz="1800" dirty="0">
+            <a:endParaRPr lang="en-US" sz="1800" dirty="0" smtClean="0">
               <a:solidFill>
                 <a:schemeClr val="bg1"/>
               </a:solidFill>
             </a:endParaRPr>
           </a:p>
           <a:p>
-            <a:pPr marL="0" indent="0">
-              <a:lnSpc>
-                <a:spcPct val="150000"/>
-              </a:lnSpc>
+            <a:endParaRPr lang="en-US" sz="1800" dirty="0" smtClean="0">
+              <a:solidFill>
+                <a:schemeClr val="bg1"/>
+              </a:solidFill>
+            </a:endParaRPr>
+          </a:p>
+          <a:p>
+            <a:pPr algn="ctr">
               <a:buNone/>
             </a:pPr>
-            <a:r>
-              <a:rPr lang="en-US" sz="1800" dirty="0">
-                <a:solidFill>
-                  <a:schemeClr val="bg1"/>
-                </a:solidFill>
-              </a:rPr>
-              <a:t> </a:t>
-            </a:r>
-            <a:r>
-              <a:rPr lang="en-US" sz="1800" dirty="0" smtClean="0">
-                <a:solidFill>
-                  <a:schemeClr val="bg1"/>
-                </a:solidFill>
-              </a:rPr>
-              <a:t>                   8’060’220€ per year in California</a:t>
-            </a:r>
+            <a:endParaRPr lang="en-US" sz="1800" dirty="0" smtClean="0">
+              <a:solidFill>
+                <a:schemeClr val="bg1"/>
+              </a:solidFill>
+            </a:endParaRPr>
+          </a:p>
+          <a:p>
+            <a:pPr algn="ctr">
+              <a:buNone/>
+            </a:pPr>
+            <a:endParaRPr lang="en-US" sz="1800" dirty="0" smtClean="0">
+              <a:solidFill>
+                <a:schemeClr val="bg1"/>
+              </a:solidFill>
+            </a:endParaRPr>
+          </a:p>
+          <a:p>
+            <a:pPr algn="ctr">
+              <a:buNone/>
+            </a:pPr>
+            <a:endParaRPr lang="en-US" sz="1800" dirty="0" smtClean="0">
+              <a:solidFill>
+                <a:schemeClr val="bg1"/>
+              </a:solidFill>
+            </a:endParaRPr>
+          </a:p>
+          <a:p>
+            <a:pPr algn="ctr">
+              <a:buNone/>
+            </a:pPr>
+            <a:r>
+              <a:rPr lang="en-US" sz="3600" dirty="0" smtClean="0">
+                <a:solidFill>
+                  <a:srgbClr val="00CC00"/>
+                </a:solidFill>
+              </a:rPr>
+              <a:t>DEMO</a:t>
+            </a:r>
+            <a:endParaRPr lang="en-US" sz="3600" dirty="0">
+              <a:solidFill>
+                <a:srgbClr val="00CC00"/>
+              </a:solidFill>
+            </a:endParaRPr>
+          </a:p>
+          <a:p>
+            <a:endParaRPr lang="fi-FI" dirty="0"/>
           </a:p>
         </p:txBody>
       </p:sp>
     </p:spTree>
     <p:extLst>
       <p:ext uri="{BB962C8B-B14F-4D97-AF65-F5344CB8AC3E}">
-        <p14:creationId xmlns:p14="http://schemas.microsoft.com/office/powerpoint/2010/main" xmlns="" val="2911468838"/>
+        <p14:creationId xmlns:p14="http://schemas.microsoft.com/office/powerpoint/2010/main" val="3375109950"/>
       </p:ext>
     </p:extLst>
   </p:cSld>
@@ -5166,7 +5327,7 @@
       </p:grpSpPr>
       <p:sp>
         <p:nvSpPr>
-          <p:cNvPr id="3" name="Sisällön paikkamerkki 2"/>
+          <p:cNvPr id="6" name="Content Placeholder 5"/>
           <p:cNvSpPr>
             <a:spLocks noGrp="1"/>
           </p:cNvSpPr>
@@ -5176,14 +5337,101 @@
         </p:nvSpPr>
         <p:spPr>
           <a:xfrm>
-            <a:off x="899592" y="1124745"/>
-            <a:ext cx="6984776" cy="4824536"/>
+            <a:off x="1043608" y="1196752"/>
+            <a:ext cx="6624736" cy="4245073"/>
           </a:xfrm>
         </p:spPr>
         <p:txBody>
-          <a:bodyPr/>
+          <a:bodyPr>
+            <a:normAutofit/>
+          </a:bodyPr>
           <a:lstStyle/>
           <a:p>
+            <a:pPr marL="0" indent="0">
+              <a:lnSpc>
+                <a:spcPct val="150000"/>
+              </a:lnSpc>
+              <a:buNone/>
+            </a:pPr>
+            <a:r>
+              <a:rPr lang="en-US" sz="2400" dirty="0" smtClean="0">
+                <a:solidFill>
+                  <a:srgbClr val="00CC00"/>
+                </a:solidFill>
+              </a:rPr>
+              <a:t>Conclusion</a:t>
+            </a:r>
+          </a:p>
+          <a:p>
+            <a:pPr>
+              <a:lnSpc>
+                <a:spcPct val="150000"/>
+              </a:lnSpc>
+            </a:pPr>
+            <a:r>
+              <a:rPr lang="en-US" sz="1800" dirty="0" smtClean="0">
+                <a:solidFill>
+                  <a:schemeClr val="bg1"/>
+                </a:solidFill>
+              </a:rPr>
+              <a:t>Energy </a:t>
+            </a:r>
+            <a:r>
+              <a:rPr lang="en-US" sz="1800" dirty="0" smtClean="0">
+                <a:solidFill>
+                  <a:schemeClr val="bg1"/>
+                </a:solidFill>
+              </a:rPr>
+              <a:t>will be become more expensive </a:t>
+            </a:r>
+          </a:p>
+          <a:p>
+            <a:pPr lvl="1">
+              <a:lnSpc>
+                <a:spcPct val="150000"/>
+              </a:lnSpc>
+              <a:buFont typeface="Wingdings" pitchFamily="2" charset="2"/>
+              <a:buChar char="Ø"/>
+            </a:pPr>
+            <a:r>
+              <a:rPr lang="en-US" sz="1400" dirty="0" smtClean="0">
+                <a:solidFill>
+                  <a:schemeClr val="bg1"/>
+                </a:solidFill>
+              </a:rPr>
+              <a:t>people will become more concerned</a:t>
+            </a:r>
+          </a:p>
+          <a:p>
+            <a:pPr>
+              <a:lnSpc>
+                <a:spcPct val="150000"/>
+              </a:lnSpc>
+            </a:pPr>
+            <a:r>
+              <a:rPr lang="en-US" sz="1800" dirty="0" smtClean="0">
+                <a:solidFill>
+                  <a:schemeClr val="bg1"/>
+                </a:solidFill>
+              </a:rPr>
+              <a:t>People want </a:t>
+            </a:r>
+            <a:r>
+              <a:rPr lang="en-US" sz="1800" dirty="0" smtClean="0">
+                <a:solidFill>
+                  <a:schemeClr val="bg1"/>
+                </a:solidFill>
+              </a:rPr>
+              <a:t>to </a:t>
+            </a:r>
+            <a:r>
+              <a:rPr lang="en-US" sz="1800" dirty="0" smtClean="0">
+                <a:solidFill>
+                  <a:schemeClr val="bg1"/>
+                </a:solidFill>
+              </a:rPr>
+              <a:t>manage their consumption in the future</a:t>
+            </a:r>
             <a:endParaRPr lang="en-US" sz="1800" dirty="0" smtClean="0">
               <a:solidFill>
                 <a:schemeClr val="bg1"/>
@@ -5191,212 +5439,12 @@
             </a:endParaRPr>
           </a:p>
           <a:p>
-            <a:endParaRPr lang="en-US" sz="1800" dirty="0" smtClean="0">
-              <a:solidFill>
-                <a:schemeClr val="bg1"/>
-              </a:solidFill>
-            </a:endParaRPr>
-          </a:p>
-          <a:p>
-            <a:endParaRPr lang="en-US" sz="1800" dirty="0" smtClean="0">
-              <a:solidFill>
-                <a:schemeClr val="bg1"/>
-              </a:solidFill>
-            </a:endParaRPr>
-          </a:p>
-          <a:p>
-            <a:pPr algn="ctr">
-              <a:buNone/>
-            </a:pPr>
-            <a:endParaRPr lang="en-US" sz="1800" dirty="0" smtClean="0">
-              <a:solidFill>
-                <a:schemeClr val="bg1"/>
-              </a:solidFill>
-            </a:endParaRPr>
-          </a:p>
-          <a:p>
-            <a:pPr algn="ctr">
-              <a:buNone/>
-            </a:pPr>
-            <a:endParaRPr lang="en-US" sz="1800" dirty="0" smtClean="0">
-              <a:solidFill>
-                <a:schemeClr val="bg1"/>
-              </a:solidFill>
-            </a:endParaRPr>
-          </a:p>
-          <a:p>
-            <a:pPr algn="ctr">
-              <a:buNone/>
-            </a:pPr>
-            <a:endParaRPr lang="en-US" sz="1800" dirty="0" smtClean="0">
-              <a:solidFill>
-                <a:schemeClr val="bg1"/>
-              </a:solidFill>
-            </a:endParaRPr>
-          </a:p>
-          <a:p>
-            <a:pPr algn="ctr">
-              <a:buNone/>
-            </a:pPr>
-            <a:r>
-              <a:rPr lang="en-US" sz="3600" dirty="0" smtClean="0">
-                <a:solidFill>
-                  <a:srgbClr val="00CC00"/>
-                </a:solidFill>
-              </a:rPr>
-              <a:t>DEMO</a:t>
-            </a:r>
-            <a:endParaRPr lang="en-US" sz="3600" dirty="0">
-              <a:solidFill>
-                <a:srgbClr val="00CC00"/>
-              </a:solidFill>
-            </a:endParaRPr>
-          </a:p>
-          <a:p>
-            <a:endParaRPr lang="fi-FI" dirty="0"/>
-          </a:p>
-        </p:txBody>
-      </p:sp>
-    </p:spTree>
-    <p:extLst>
-      <p:ext uri="{BB962C8B-B14F-4D97-AF65-F5344CB8AC3E}">
-        <p14:creationId xmlns:p14="http://schemas.microsoft.com/office/powerpoint/2010/main" xmlns="" val="3375109950"/>
-      </p:ext>
-    </p:extLst>
-  </p:cSld>
-  <p:clrMapOvr>
-    <a:masterClrMapping/>
-  </p:clrMapOvr>
-  <p:timing>
-    <p:tnLst>
-      <p:par>
-        <p:cTn id="1" dur="indefinite" restart="never" nodeType="tmRoot"/>
-      </p:par>
-    </p:tnLst>
-  </p:timing>
-</p:sld>
-</file>
-
-<file path=ppt/slides/slide13.xml><?xml version="1.0" encoding="utf-8"?>
-<p:sld xmlns:a="http://schemas.openxmlformats.org/drawingml/2006/main" xmlns:r="http://schemas.openxmlformats.org/officeDocument/2006/relationships" xmlns:p="http://schemas.openxmlformats.org/presentationml/2006/main">
-  <p:cSld>
-    <p:spTree>
-      <p:nvGrpSpPr>
-        <p:cNvPr id="1" name=""/>
-        <p:cNvGrpSpPr/>
-        <p:nvPr/>
-      </p:nvGrpSpPr>
-      <p:grpSpPr>
-        <a:xfrm>
-          <a:off x="0" y="0"/>
-          <a:ext cx="0" cy="0"/>
-          <a:chOff x="0" y="0"/>
-          <a:chExt cx="0" cy="0"/>
-        </a:xfrm>
-      </p:grpSpPr>
-      <p:sp>
-        <p:nvSpPr>
-          <p:cNvPr id="6" name="Content Placeholder 5"/>
-          <p:cNvSpPr>
-            <a:spLocks noGrp="1"/>
-          </p:cNvSpPr>
-          <p:nvPr>
-            <p:ph idx="1"/>
-          </p:nvPr>
-        </p:nvSpPr>
-        <p:spPr>
-          <a:xfrm>
-            <a:off x="1043608" y="1200150"/>
-            <a:ext cx="6624736" cy="4245073"/>
-          </a:xfrm>
-        </p:spPr>
-        <p:txBody>
-          <a:bodyPr>
-            <a:normAutofit/>
-          </a:bodyPr>
-          <a:lstStyle/>
-          <a:p>
-            <a:pPr marL="0" indent="0">
-              <a:lnSpc>
-                <a:spcPct val="150000"/>
-              </a:lnSpc>
-              <a:buNone/>
-            </a:pPr>
-            <a:r>
-              <a:rPr lang="en-US" sz="2400" dirty="0" smtClean="0">
-                <a:solidFill>
-                  <a:srgbClr val="00CC00"/>
-                </a:solidFill>
-              </a:rPr>
-              <a:t>Conclusion</a:t>
-            </a:r>
-          </a:p>
-          <a:p>
             <a:pPr>
               <a:lnSpc>
                 <a:spcPct val="150000"/>
               </a:lnSpc>
             </a:pPr>
             <a:r>
-              <a:rPr lang="en-US" sz="1800" dirty="0" smtClean="0">
-                <a:solidFill>
-                  <a:schemeClr val="bg1"/>
-                </a:solidFill>
-              </a:rPr>
-              <a:t>Concern about energy consumption will rise with energy </a:t>
-            </a:r>
-            <a:r>
-              <a:rPr lang="en-US" sz="1800" dirty="0" smtClean="0">
-                <a:solidFill>
-                  <a:schemeClr val="bg1"/>
-                </a:solidFill>
-              </a:rPr>
-              <a:t>prices / </a:t>
-            </a:r>
-            <a:endParaRPr lang="en-US" sz="1800" dirty="0" smtClean="0">
-              <a:solidFill>
-                <a:schemeClr val="bg1"/>
-              </a:solidFill>
-            </a:endParaRPr>
-          </a:p>
-          <a:p>
-            <a:pPr>
-              <a:lnSpc>
-                <a:spcPct val="150000"/>
-              </a:lnSpc>
-            </a:pPr>
-            <a:r>
-              <a:rPr lang="en-US" sz="1800" dirty="0" smtClean="0">
-                <a:solidFill>
-                  <a:schemeClr val="bg1"/>
-                </a:solidFill>
-              </a:rPr>
-              <a:t>People will have to learn to </a:t>
-            </a:r>
-            <a:r>
-              <a:rPr lang="en-US" sz="1800" dirty="0" err="1" smtClean="0">
-                <a:solidFill>
-                  <a:schemeClr val="bg1"/>
-                </a:solidFill>
-              </a:rPr>
-              <a:t>managetheir</a:t>
-            </a:r>
-            <a:r>
-              <a:rPr lang="en-US" sz="1800" dirty="0" smtClean="0">
-                <a:solidFill>
-                  <a:schemeClr val="bg1"/>
-                </a:solidFill>
-              </a:rPr>
-              <a:t> consumption in the future</a:t>
-            </a:r>
-          </a:p>
-          <a:p>
-            <a:pPr>
-              <a:lnSpc>
-                <a:spcPct val="150000"/>
-              </a:lnSpc>
-            </a:pPr>
-            <a:r>
               <a:rPr lang="en-US" sz="1800" dirty="0" err="1" smtClean="0">
                 <a:solidFill>
                   <a:schemeClr val="bg1"/>
@@ -5426,15 +5474,7 @@
                   <a:schemeClr val="bg1"/>
                 </a:solidFill>
               </a:rPr>
-              <a:t>SMALL </a:t>
-            </a:r>
-            <a:r>
-              <a:rPr lang="en-US" sz="2400" dirty="0" smtClean="0">
-                <a:solidFill>
-                  <a:schemeClr val="bg1"/>
-                </a:solidFill>
-              </a:rPr>
-              <a:t>IDEA, BIG IMPACT</a:t>
+              <a:t>SMALL IDEA, BIG IMPACT</a:t>
             </a:r>
           </a:p>
           <a:p>
@@ -5454,7 +5494,7 @@
     </p:spTree>
     <p:extLst>
       <p:ext uri="{BB962C8B-B14F-4D97-AF65-F5344CB8AC3E}">
-        <p14:creationId xmlns:p14="http://schemas.microsoft.com/office/powerpoint/2010/main" xmlns="" val="3807466701"/>
+        <p14:creationId xmlns:p14="http://schemas.microsoft.com/office/powerpoint/2010/main" val="3807466701"/>
       </p:ext>
     </p:extLst>
   </p:cSld>
@@ -5524,11 +5564,6 @@
               </a:rPr>
               <a:t>Structure</a:t>
             </a:r>
-            <a:endParaRPr lang="en-US" sz="2400" dirty="0" smtClean="0">
-              <a:solidFill>
-                <a:srgbClr val="00CC00"/>
-              </a:solidFill>
-            </a:endParaRPr>
           </a:p>
           <a:p>
             <a:pPr>
@@ -5782,7 +5817,7 @@
     </p:spTree>
     <p:extLst>
       <p:ext uri="{BB962C8B-B14F-4D97-AF65-F5344CB8AC3E}">
-        <p14:creationId xmlns:p14="http://schemas.microsoft.com/office/powerpoint/2010/main" xmlns="" val="3490691830"/>
+        <p14:creationId xmlns:p14="http://schemas.microsoft.com/office/powerpoint/2010/main" val="3490691830"/>
       </p:ext>
     </p:extLst>
   </p:cSld>
@@ -5852,11 +5887,6 @@
               </a:rPr>
               <a:t>Vision</a:t>
             </a:r>
-            <a:endParaRPr lang="en-US" sz="2400" dirty="0" smtClean="0">
-              <a:solidFill>
-                <a:srgbClr val="00CC00"/>
-              </a:solidFill>
-            </a:endParaRPr>
           </a:p>
           <a:p>
             <a:pPr>
@@ -5943,7 +5973,7 @@
     </p:spTree>
     <p:extLst>
       <p:ext uri="{BB962C8B-B14F-4D97-AF65-F5344CB8AC3E}">
-        <p14:creationId xmlns:p14="http://schemas.microsoft.com/office/powerpoint/2010/main" xmlns="" val="4234473451"/>
+        <p14:creationId xmlns:p14="http://schemas.microsoft.com/office/powerpoint/2010/main" val="4234473451"/>
       </p:ext>
     </p:extLst>
   </p:cSld>
@@ -6014,12 +6044,6 @@
               </a:rPr>
               <a:t>Solution</a:t>
             </a:r>
-            <a:endParaRPr lang="en-US" sz="2400" dirty="0" smtClean="0">
-              <a:solidFill>
-                <a:srgbClr val="00CC00"/>
-              </a:solidFill>
-              <a:latin typeface="Segoe WP Semibold" pitchFamily="34" charset="0"/>
-            </a:endParaRPr>
           </a:p>
           <a:p>
             <a:pPr>
@@ -6175,7 +6199,7 @@
     </p:spTree>
     <p:extLst>
       <p:ext uri="{BB962C8B-B14F-4D97-AF65-F5344CB8AC3E}">
-        <p14:creationId xmlns:p14="http://schemas.microsoft.com/office/powerpoint/2010/main" xmlns="" val="3114737568"/>
+        <p14:creationId xmlns:p14="http://schemas.microsoft.com/office/powerpoint/2010/main" val="3114737568"/>
       </p:ext>
     </p:extLst>
   </p:cSld>
@@ -6209,19 +6233,1248 @@
           <a:chExt cx="0" cy="0"/>
         </a:xfrm>
       </p:grpSpPr>
+      <p:sp>
+        <p:nvSpPr>
+          <p:cNvPr id="5" name="Pilvi 4"/>
+          <p:cNvSpPr/>
+          <p:nvPr/>
+        </p:nvSpPr>
+        <p:spPr>
+          <a:xfrm>
+            <a:off x="4887491" y="1052736"/>
+            <a:ext cx="3233120" cy="1871806"/>
+          </a:xfrm>
+          <a:prstGeom prst="cloud">
+            <a:avLst/>
+          </a:prstGeom>
+          <a:solidFill>
+            <a:schemeClr val="tx2">
+              <a:lumMod val="20000"/>
+              <a:lumOff val="80000"/>
+            </a:schemeClr>
+          </a:solidFill>
+        </p:spPr>
+        <p:style>
+          <a:lnRef idx="0">
+            <a:schemeClr val="accent5"/>
+          </a:lnRef>
+          <a:fillRef idx="3">
+            <a:schemeClr val="accent5"/>
+          </a:fillRef>
+          <a:effectRef idx="3">
+            <a:schemeClr val="accent5"/>
+          </a:effectRef>
+          <a:fontRef idx="minor">
+            <a:schemeClr val="lt1"/>
+          </a:fontRef>
+        </p:style>
+        <p:txBody>
+          <a:bodyPr rtlCol="0" anchor="t"/>
+          <a:lstStyle/>
+          <a:p>
+            <a:pPr algn="ctr"/>
+            <a:endParaRPr lang="fi-FI" dirty="0"/>
+          </a:p>
+        </p:txBody>
+      </p:sp>
+      <p:sp>
+        <p:nvSpPr>
+          <p:cNvPr id="24" name="Pyöristetty suorakulmio 23"/>
+          <p:cNvSpPr/>
+          <p:nvPr/>
+        </p:nvSpPr>
+        <p:spPr>
+          <a:xfrm>
+            <a:off x="1014474" y="1019984"/>
+            <a:ext cx="2217100" cy="1544920"/>
+          </a:xfrm>
+          <a:prstGeom prst="roundRect">
+            <a:avLst/>
+          </a:prstGeom>
+          <a:gradFill flip="none" rotWithShape="1">
+            <a:gsLst>
+              <a:gs pos="0">
+                <a:srgbClr val="00CC00">
+                  <a:shade val="30000"/>
+                  <a:satMod val="115000"/>
+                </a:srgbClr>
+              </a:gs>
+              <a:gs pos="50000">
+                <a:srgbClr val="00CC00">
+                  <a:shade val="67500"/>
+                  <a:satMod val="115000"/>
+                </a:srgbClr>
+              </a:gs>
+              <a:gs pos="100000">
+                <a:srgbClr val="00CC00">
+                  <a:shade val="100000"/>
+                  <a:satMod val="115000"/>
+                </a:srgbClr>
+              </a:gs>
+            </a:gsLst>
+            <a:lin ang="16200000" scaled="1"/>
+            <a:tileRect/>
+          </a:gradFill>
+        </p:spPr>
+        <p:style>
+          <a:lnRef idx="0">
+            <a:schemeClr val="accent5"/>
+          </a:lnRef>
+          <a:fillRef idx="3">
+            <a:schemeClr val="accent5"/>
+          </a:fillRef>
+          <a:effectRef idx="3">
+            <a:schemeClr val="accent5"/>
+          </a:effectRef>
+          <a:fontRef idx="minor">
+            <a:schemeClr val="lt1"/>
+          </a:fontRef>
+        </p:style>
+        <p:txBody>
+          <a:bodyPr rtlCol="0" anchor="t"/>
+          <a:lstStyle/>
+          <a:p>
+            <a:r>
+              <a:rPr lang="fi-FI" dirty="0" err="1" smtClean="0">
+                <a:solidFill>
+                  <a:schemeClr val="bg1"/>
+                </a:solidFill>
+              </a:rPr>
+              <a:t>Users</a:t>
+            </a:r>
+            <a:endParaRPr lang="fi-FI" dirty="0">
+              <a:solidFill>
+                <a:schemeClr val="bg1"/>
+              </a:solidFill>
+            </a:endParaRPr>
+          </a:p>
+        </p:txBody>
+      </p:sp>
+      <p:sp>
+        <p:nvSpPr>
+          <p:cNvPr id="23" name="Pyöristetty suorakulmio 22"/>
+          <p:cNvSpPr/>
+          <p:nvPr/>
+        </p:nvSpPr>
+        <p:spPr>
+          <a:xfrm>
+            <a:off x="1143975" y="4204189"/>
+            <a:ext cx="2631175" cy="1674023"/>
+          </a:xfrm>
+          <a:prstGeom prst="roundRect">
+            <a:avLst/>
+          </a:prstGeom>
+          <a:gradFill flip="none" rotWithShape="1">
+            <a:gsLst>
+              <a:gs pos="0">
+                <a:srgbClr val="00CC00">
+                  <a:shade val="30000"/>
+                  <a:satMod val="115000"/>
+                </a:srgbClr>
+              </a:gs>
+              <a:gs pos="50000">
+                <a:srgbClr val="00CC00">
+                  <a:shade val="67500"/>
+                  <a:satMod val="115000"/>
+                </a:srgbClr>
+              </a:gs>
+              <a:gs pos="100000">
+                <a:srgbClr val="00CC00">
+                  <a:shade val="100000"/>
+                  <a:satMod val="115000"/>
+                </a:srgbClr>
+              </a:gs>
+            </a:gsLst>
+            <a:lin ang="16200000" scaled="1"/>
+            <a:tileRect/>
+          </a:gradFill>
+        </p:spPr>
+        <p:style>
+          <a:lnRef idx="0">
+            <a:schemeClr val="accent3"/>
+          </a:lnRef>
+          <a:fillRef idx="3">
+            <a:schemeClr val="accent3"/>
+          </a:fillRef>
+          <a:effectRef idx="3">
+            <a:schemeClr val="accent3"/>
+          </a:effectRef>
+          <a:fontRef idx="minor">
+            <a:schemeClr val="lt1"/>
+          </a:fontRef>
+        </p:style>
+        <p:txBody>
+          <a:bodyPr rtlCol="0" anchor="t"/>
+          <a:lstStyle/>
+          <a:p>
+            <a:r>
+              <a:rPr lang="fi-FI" sz="2000" dirty="0" smtClean="0">
+                <a:solidFill>
+                  <a:schemeClr val="bg1"/>
+                </a:solidFill>
+              </a:rPr>
+              <a:t>Home</a:t>
+            </a:r>
+            <a:endParaRPr lang="fi-FI" dirty="0">
+              <a:solidFill>
+                <a:schemeClr val="bg1"/>
+              </a:solidFill>
+            </a:endParaRPr>
+          </a:p>
+        </p:txBody>
+      </p:sp>
+      <p:sp>
+        <p:nvSpPr>
+          <p:cNvPr id="22" name="Pyöristetty suorakulmio 21"/>
+          <p:cNvSpPr/>
+          <p:nvPr/>
+        </p:nvSpPr>
+        <p:spPr>
+          <a:xfrm>
+            <a:off x="5796136" y="3583690"/>
+            <a:ext cx="2324474" cy="2294522"/>
+          </a:xfrm>
+          <a:prstGeom prst="roundRect">
+            <a:avLst/>
+          </a:prstGeom>
+          <a:gradFill flip="none" rotWithShape="1">
+            <a:gsLst>
+              <a:gs pos="0">
+                <a:srgbClr val="00CC00">
+                  <a:shade val="30000"/>
+                  <a:satMod val="115000"/>
+                </a:srgbClr>
+              </a:gs>
+              <a:gs pos="50000">
+                <a:srgbClr val="00CC00">
+                  <a:shade val="67500"/>
+                  <a:satMod val="115000"/>
+                </a:srgbClr>
+              </a:gs>
+              <a:gs pos="100000">
+                <a:srgbClr val="00CC00">
+                  <a:shade val="100000"/>
+                  <a:satMod val="115000"/>
+                </a:srgbClr>
+              </a:gs>
+            </a:gsLst>
+            <a:lin ang="16200000" scaled="1"/>
+            <a:tileRect/>
+          </a:gradFill>
+        </p:spPr>
+        <p:style>
+          <a:lnRef idx="0">
+            <a:schemeClr val="accent1"/>
+          </a:lnRef>
+          <a:fillRef idx="3">
+            <a:schemeClr val="accent1"/>
+          </a:fillRef>
+          <a:effectRef idx="3">
+            <a:schemeClr val="accent1"/>
+          </a:effectRef>
+          <a:fontRef idx="minor">
+            <a:schemeClr val="lt1"/>
+          </a:fontRef>
+        </p:style>
+        <p:txBody>
+          <a:bodyPr rtlCol="0" anchor="t"/>
+          <a:lstStyle/>
+          <a:p>
+            <a:r>
+              <a:rPr lang="fi-FI" sz="2000" dirty="0" err="1" smtClean="0">
+                <a:solidFill>
+                  <a:schemeClr val="bg1"/>
+                </a:solidFill>
+              </a:rPr>
+              <a:t>External</a:t>
+            </a:r>
+            <a:r>
+              <a:rPr lang="fi-FI" sz="2000" dirty="0" smtClean="0">
+                <a:solidFill>
+                  <a:schemeClr val="bg1"/>
+                </a:solidFill>
+              </a:rPr>
+              <a:t> </a:t>
+            </a:r>
+            <a:r>
+              <a:rPr lang="fi-FI" sz="2000" dirty="0" err="1" smtClean="0">
+                <a:solidFill>
+                  <a:schemeClr val="bg1"/>
+                </a:solidFill>
+              </a:rPr>
+              <a:t>services</a:t>
+            </a:r>
+            <a:endParaRPr lang="fi-FI" sz="2000" dirty="0">
+              <a:solidFill>
+                <a:schemeClr val="bg1"/>
+              </a:solidFill>
+            </a:endParaRPr>
+          </a:p>
+        </p:txBody>
+      </p:sp>
+      <p:sp>
+        <p:nvSpPr>
+          <p:cNvPr id="3" name="Pilvi 2"/>
+          <p:cNvSpPr/>
+          <p:nvPr/>
+        </p:nvSpPr>
+        <p:spPr>
+          <a:xfrm>
+            <a:off x="2675796" y="2924944"/>
+            <a:ext cx="2913342" cy="1008112"/>
+          </a:xfrm>
+          <a:prstGeom prst="cloud">
+            <a:avLst/>
+          </a:prstGeom>
+          <a:gradFill flip="none" rotWithShape="1">
+            <a:gsLst>
+              <a:gs pos="0">
+                <a:schemeClr val="bg1">
+                  <a:shade val="30000"/>
+                  <a:satMod val="115000"/>
+                </a:schemeClr>
+              </a:gs>
+              <a:gs pos="50000">
+                <a:schemeClr val="bg1">
+                  <a:shade val="67500"/>
+                  <a:satMod val="115000"/>
+                </a:schemeClr>
+              </a:gs>
+              <a:gs pos="100000">
+                <a:schemeClr val="bg1">
+                  <a:shade val="100000"/>
+                  <a:satMod val="115000"/>
+                </a:schemeClr>
+              </a:gs>
+            </a:gsLst>
+            <a:lin ang="16200000" scaled="1"/>
+            <a:tileRect/>
+          </a:gradFill>
+        </p:spPr>
+        <p:style>
+          <a:lnRef idx="0">
+            <a:schemeClr val="accent3"/>
+          </a:lnRef>
+          <a:fillRef idx="3">
+            <a:schemeClr val="accent3"/>
+          </a:fillRef>
+          <a:effectRef idx="3">
+            <a:schemeClr val="accent3"/>
+          </a:effectRef>
+          <a:fontRef idx="minor">
+            <a:schemeClr val="lt1"/>
+          </a:fontRef>
+        </p:style>
+        <p:txBody>
+          <a:bodyPr rtlCol="0" anchor="ctr"/>
+          <a:lstStyle/>
+          <a:p>
+            <a:pPr algn="ctr"/>
+            <a:r>
+              <a:rPr lang="fi-FI" sz="2000" dirty="0" smtClean="0">
+                <a:solidFill>
+                  <a:schemeClr val="tx1"/>
+                </a:solidFill>
+              </a:rPr>
+              <a:t>Internet</a:t>
+            </a:r>
+            <a:endParaRPr lang="fi-FI" sz="2000" dirty="0">
+              <a:solidFill>
+                <a:schemeClr val="tx1"/>
+              </a:solidFill>
+            </a:endParaRPr>
+          </a:p>
+        </p:txBody>
+      </p:sp>
       <p:pic>
         <p:nvPicPr>
-          <p:cNvPr id="4" name="Picture 3"/>
+          <p:cNvPr id="2056" name="Picture 8" descr="C:\Users\tkahkon1\AppData\Local\Microsoft\Windows\Temporary Internet Files\Content.IE5\Q3SBGE40\MC900238991[1].wmf"/>
+          <p:cNvPicPr>
+            <a:picLocks noChangeAspect="1" noChangeArrowheads="1"/>
+          </p:cNvPicPr>
+          <p:nvPr/>
+        </p:nvPicPr>
+        <p:blipFill rotWithShape="1">
+          <a:blip r:embed="rId3" cstate="print">
+            <a:duotone>
+              <a:prstClr val="black"/>
+              <a:schemeClr val="accent3">
+                <a:tint val="45000"/>
+                <a:satMod val="400000"/>
+              </a:schemeClr>
+            </a:duotone>
+            <a:extLst>
+              <a:ext uri="{28A0092B-C50C-407E-A947-70E740481C1C}">
+                <a14:useLocalDpi xmlns:a14="http://schemas.microsoft.com/office/drawing/2010/main" val="0"/>
+              </a:ext>
+            </a:extLst>
+          </a:blip>
+          <a:srcRect t="1" b="13234"/>
+          <a:stretch/>
+        </p:blipFill>
+        <p:spPr bwMode="auto">
+          <a:xfrm>
+            <a:off x="1675170" y="5206276"/>
+            <a:ext cx="1058798" cy="598988"/>
+          </a:xfrm>
+          <a:prstGeom prst="rect">
+            <a:avLst/>
+          </a:prstGeom>
+          <a:noFill/>
+          <a:extLst>
+            <a:ext uri="{909E8E84-426E-40DD-AFC4-6F175D3DCCD1}">
+              <a14:hiddenFill xmlns:a14="http://schemas.microsoft.com/office/drawing/2010/main">
+                <a:solidFill>
+                  <a:srgbClr val="FFFFFF"/>
+                </a:solidFill>
+              </a14:hiddenFill>
+            </a:ext>
+          </a:extLst>
+        </p:spPr>
+      </p:pic>
+      <p:pic>
+        <p:nvPicPr>
+          <p:cNvPr id="2059" name="Picture 11" descr="C:\Users\tkahkon1\AppData\Local\Microsoft\Windows\Temporary Internet Files\Content.IE5\Q3SBGE40\MC900325582[1].wmf"/>
+          <p:cNvPicPr>
+            <a:picLocks noChangeAspect="1" noChangeArrowheads="1"/>
+          </p:cNvPicPr>
+          <p:nvPr/>
+        </p:nvPicPr>
+        <p:blipFill>
+          <a:blip r:embed="rId4" cstate="print">
+            <a:duotone>
+              <a:prstClr val="black"/>
+              <a:schemeClr val="accent3">
+                <a:tint val="45000"/>
+                <a:satMod val="400000"/>
+              </a:schemeClr>
+            </a:duotone>
+            <a:extLst>
+              <a:ext uri="{28A0092B-C50C-407E-A947-70E740481C1C}">
+                <a14:useLocalDpi xmlns:a14="http://schemas.microsoft.com/office/drawing/2010/main" val="0"/>
+              </a:ext>
+            </a:extLst>
+          </a:blip>
+          <a:srcRect/>
+          <a:stretch>
+            <a:fillRect/>
+          </a:stretch>
+        </p:blipFill>
+        <p:spPr bwMode="auto">
+          <a:xfrm>
+            <a:off x="1215216" y="4797152"/>
+            <a:ext cx="836504" cy="1063256"/>
+          </a:xfrm>
+          <a:prstGeom prst="rect">
+            <a:avLst/>
+          </a:prstGeom>
+          <a:noFill/>
+          <a:extLst>
+            <a:ext uri="{909E8E84-426E-40DD-AFC4-6F175D3DCCD1}">
+              <a14:hiddenFill xmlns:a14="http://schemas.microsoft.com/office/drawing/2010/main">
+                <a:solidFill>
+                  <a:srgbClr val="FFFFFF"/>
+                </a:solidFill>
+              </a14:hiddenFill>
+            </a:ext>
+          </a:extLst>
+        </p:spPr>
+      </p:pic>
+      <p:pic>
+        <p:nvPicPr>
+          <p:cNvPr id="6" name="Kuva 5"/>
+          <p:cNvPicPr>
+            <a:picLocks noChangeAspect="1"/>
+          </p:cNvPicPr>
+          <p:nvPr/>
+        </p:nvPicPr>
+        <p:blipFill rotWithShape="1">
+          <a:blip r:embed="rId5" cstate="print">
+            <a:duotone>
+              <a:schemeClr val="accent1">
+                <a:shade val="45000"/>
+                <a:satMod val="135000"/>
+              </a:schemeClr>
+              <a:prstClr val="white"/>
+            </a:duotone>
+            <a:extLst>
+              <a:ext uri="{28A0092B-C50C-407E-A947-70E740481C1C}">
+                <a14:useLocalDpi xmlns:a14="http://schemas.microsoft.com/office/drawing/2010/main" val="0"/>
+              </a:ext>
+            </a:extLst>
+          </a:blip>
+          <a:srcRect l="11626" t="2730" r="8328" b="10619"/>
+          <a:stretch/>
+        </p:blipFill>
+        <p:spPr>
+          <a:xfrm>
+            <a:off x="6009231" y="4736693"/>
+            <a:ext cx="348960" cy="341312"/>
+          </a:xfrm>
+          <a:prstGeom prst="rect">
+            <a:avLst/>
+          </a:prstGeom>
+          <a:ln>
+            <a:noFill/>
+          </a:ln>
+          <a:effectLst>
+            <a:outerShdw blurRad="190500" algn="tl" rotWithShape="0">
+              <a:srgbClr val="000000">
+                <a:alpha val="70000"/>
+              </a:srgbClr>
+            </a:outerShdw>
+          </a:effectLst>
+        </p:spPr>
+      </p:pic>
+      <p:pic>
+        <p:nvPicPr>
+          <p:cNvPr id="7" name="Kuva 6"/>
+          <p:cNvPicPr>
+            <a:picLocks noChangeAspect="1"/>
+          </p:cNvPicPr>
+          <p:nvPr/>
+        </p:nvPicPr>
+        <p:blipFill rotWithShape="1">
+          <a:blip r:embed="rId6" cstate="print">
+            <a:duotone>
+              <a:schemeClr val="accent1">
+                <a:shade val="45000"/>
+                <a:satMod val="135000"/>
+              </a:schemeClr>
+              <a:prstClr val="white"/>
+            </a:duotone>
+            <a:extLst>
+              <a:ext uri="{28A0092B-C50C-407E-A947-70E740481C1C}">
+                <a14:useLocalDpi xmlns:a14="http://schemas.microsoft.com/office/drawing/2010/main" val="0"/>
+              </a:ext>
+            </a:extLst>
+          </a:blip>
+          <a:srcRect l="8943" t="2344" r="9262" b="6480"/>
+          <a:stretch/>
+        </p:blipFill>
+        <p:spPr>
+          <a:xfrm>
+            <a:off x="5991942" y="4133666"/>
+            <a:ext cx="362843" cy="355653"/>
+          </a:xfrm>
+          <a:prstGeom prst="rect">
+            <a:avLst/>
+          </a:prstGeom>
+          <a:ln>
+            <a:noFill/>
+          </a:ln>
+          <a:effectLst>
+            <a:outerShdw blurRad="190500" algn="tl" rotWithShape="0">
+              <a:srgbClr val="000000">
+                <a:alpha val="70000"/>
+              </a:srgbClr>
+            </a:outerShdw>
+          </a:effectLst>
+        </p:spPr>
+      </p:pic>
+      <p:pic>
+        <p:nvPicPr>
+          <p:cNvPr id="8" name="Kuva 7"/>
+          <p:cNvPicPr>
+            <a:picLocks noChangeAspect="1"/>
+          </p:cNvPicPr>
+          <p:nvPr/>
+        </p:nvPicPr>
+        <p:blipFill rotWithShape="1">
+          <a:blip r:embed="rId7" cstate="print">
+            <a:extLst>
+              <a:ext uri="{28A0092B-C50C-407E-A947-70E740481C1C}">
+                <a14:useLocalDpi xmlns:a14="http://schemas.microsoft.com/office/drawing/2010/main" val="0"/>
+              </a:ext>
+            </a:extLst>
+          </a:blip>
+          <a:srcRect l="5266" t="2151" r="4786" b="7035"/>
+          <a:stretch/>
+        </p:blipFill>
+        <p:spPr>
+          <a:xfrm>
+            <a:off x="6004055" y="5340638"/>
+            <a:ext cx="357273" cy="360712"/>
+          </a:xfrm>
+          <a:prstGeom prst="rect">
+            <a:avLst/>
+          </a:prstGeom>
+          <a:ln>
+            <a:noFill/>
+          </a:ln>
+          <a:effectLst>
+            <a:outerShdw blurRad="190500" algn="tl" rotWithShape="0">
+              <a:srgbClr val="000000">
+                <a:alpha val="70000"/>
+              </a:srgbClr>
+            </a:outerShdw>
+          </a:effectLst>
+        </p:spPr>
+      </p:pic>
+      <p:pic>
+        <p:nvPicPr>
+          <p:cNvPr id="2061" name="Picture 13" descr="C:\Users\tkahkon1\AppData\Local\Microsoft\Windows\Temporary Internet Files\Content.IE5\Q75XKJ9I\MC900431632[1].png"/>
+          <p:cNvPicPr>
+            <a:picLocks noChangeAspect="1" noChangeArrowheads="1"/>
+          </p:cNvPicPr>
+          <p:nvPr/>
+        </p:nvPicPr>
+        <p:blipFill>
+          <a:blip r:embed="rId8">
+            <a:extLst>
+              <a:ext uri="{28A0092B-C50C-407E-A947-70E740481C1C}">
+                <a14:useLocalDpi xmlns:a14="http://schemas.microsoft.com/office/drawing/2010/main" val="0"/>
+              </a:ext>
+            </a:extLst>
+          </a:blip>
+          <a:srcRect/>
+          <a:stretch>
+            <a:fillRect/>
+          </a:stretch>
+        </p:blipFill>
+        <p:spPr bwMode="auto">
+          <a:xfrm>
+            <a:off x="1844496" y="955782"/>
+            <a:ext cx="1241008" cy="1241008"/>
+          </a:xfrm>
+          <a:prstGeom prst="rect">
+            <a:avLst/>
+          </a:prstGeom>
+          <a:noFill/>
+          <a:extLst>
+            <a:ext uri="{909E8E84-426E-40DD-AFC4-6F175D3DCCD1}">
+              <a14:hiddenFill xmlns:a14="http://schemas.microsoft.com/office/drawing/2010/main">
+                <a:solidFill>
+                  <a:srgbClr val="FFFFFF"/>
+                </a:solidFill>
+              </a14:hiddenFill>
+            </a:ext>
+          </a:extLst>
+        </p:spPr>
+      </p:pic>
+      <p:pic>
+        <p:nvPicPr>
+          <p:cNvPr id="10" name="Kuva 9"/>
+          <p:cNvPicPr>
+            <a:picLocks noChangeAspect="1"/>
+          </p:cNvPicPr>
+          <p:nvPr/>
+        </p:nvPicPr>
+        <p:blipFill rotWithShape="1">
+          <a:blip r:embed="rId9" cstate="print">
+            <a:extLst>
+              <a:ext uri="{28A0092B-C50C-407E-A947-70E740481C1C}">
+                <a14:useLocalDpi xmlns:a14="http://schemas.microsoft.com/office/drawing/2010/main" val="0"/>
+              </a:ext>
+            </a:extLst>
+          </a:blip>
+          <a:srcRect l="8742" t="3465" r="3158" b="3634"/>
+          <a:stretch/>
+        </p:blipFill>
+        <p:spPr>
+          <a:xfrm>
+            <a:off x="3059832" y="4509120"/>
+            <a:ext cx="472982" cy="673372"/>
+          </a:xfrm>
+          <a:prstGeom prst="rect">
+            <a:avLst/>
+          </a:prstGeom>
+        </p:spPr>
+      </p:pic>
+      <p:pic>
+        <p:nvPicPr>
+          <p:cNvPr id="2062" name="Picture 14" descr="C:\Users\tkahkon1\AppData\Local\Microsoft\Windows\Temporary Internet Files\Content.IE5\9HUMO9F3\MC900431615[1].png"/>
+          <p:cNvPicPr>
+            <a:picLocks noChangeAspect="1" noChangeArrowheads="1"/>
+          </p:cNvPicPr>
+          <p:nvPr/>
+        </p:nvPicPr>
+        <p:blipFill>
+          <a:blip r:embed="rId10">
+            <a:extLst>
+              <a:ext uri="{28A0092B-C50C-407E-A947-70E740481C1C}">
+                <a14:useLocalDpi xmlns:a14="http://schemas.microsoft.com/office/drawing/2010/main" val="0"/>
+              </a:ext>
+            </a:extLst>
+          </a:blip>
+          <a:srcRect/>
+          <a:stretch>
+            <a:fillRect/>
+          </a:stretch>
+        </p:blipFill>
+        <p:spPr bwMode="auto">
+          <a:xfrm>
+            <a:off x="1071797" y="1613427"/>
+            <a:ext cx="878930" cy="878930"/>
+          </a:xfrm>
+          <a:prstGeom prst="rect">
+            <a:avLst/>
+          </a:prstGeom>
+          <a:noFill/>
+          <a:extLst>
+            <a:ext uri="{909E8E84-426E-40DD-AFC4-6F175D3DCCD1}">
+              <a14:hiddenFill xmlns:a14="http://schemas.microsoft.com/office/drawing/2010/main">
+                <a:solidFill>
+                  <a:srgbClr val="FFFFFF"/>
+                </a:solidFill>
+              </a14:hiddenFill>
+            </a:ext>
+          </a:extLst>
+        </p:spPr>
+      </p:pic>
+      <p:sp>
+        <p:nvSpPr>
+          <p:cNvPr id="13" name="Tekstiruutu 12"/>
+          <p:cNvSpPr txBox="1"/>
+          <p:nvPr/>
+        </p:nvSpPr>
+        <p:spPr>
+          <a:xfrm>
+            <a:off x="6358482" y="4061658"/>
+            <a:ext cx="1577676" cy="523220"/>
+          </a:xfrm>
+          <a:prstGeom prst="rect">
+            <a:avLst/>
+          </a:prstGeom>
+          <a:noFill/>
+        </p:spPr>
+        <p:txBody>
+          <a:bodyPr wrap="none" rtlCol="0">
+            <a:spAutoFit/>
+          </a:bodyPr>
+          <a:lstStyle/>
+          <a:p>
+            <a:pPr algn="ctr"/>
+            <a:r>
+              <a:rPr lang="fi-FI" sz="1400" dirty="0" err="1" smtClean="0">
+                <a:solidFill>
+                  <a:schemeClr val="bg1"/>
+                </a:solidFill>
+              </a:rPr>
+              <a:t>Weather</a:t>
+            </a:r>
+            <a:r>
+              <a:rPr lang="fi-FI" sz="1400" dirty="0" smtClean="0">
+                <a:solidFill>
+                  <a:schemeClr val="bg1"/>
+                </a:solidFill>
+              </a:rPr>
+              <a:t> </a:t>
+            </a:r>
+            <a:r>
+              <a:rPr lang="fi-FI" sz="1400" dirty="0" err="1" smtClean="0">
+                <a:solidFill>
+                  <a:schemeClr val="bg1"/>
+                </a:solidFill>
+              </a:rPr>
+              <a:t>forecast</a:t>
+            </a:r>
+            <a:endParaRPr lang="fi-FI" sz="1400" dirty="0" smtClean="0">
+              <a:solidFill>
+                <a:schemeClr val="bg1"/>
+              </a:solidFill>
+            </a:endParaRPr>
+          </a:p>
+          <a:p>
+            <a:pPr algn="ctr"/>
+            <a:r>
+              <a:rPr lang="fi-FI" sz="1400" dirty="0" err="1" smtClean="0">
+                <a:solidFill>
+                  <a:schemeClr val="bg1"/>
+                </a:solidFill>
+              </a:rPr>
+              <a:t>webservice</a:t>
+            </a:r>
+            <a:endParaRPr lang="fi-FI" sz="1400" dirty="0">
+              <a:solidFill>
+                <a:schemeClr val="bg1"/>
+              </a:solidFill>
+            </a:endParaRPr>
+          </a:p>
+        </p:txBody>
+      </p:sp>
+      <p:sp>
+        <p:nvSpPr>
+          <p:cNvPr id="28" name="Tekstiruutu 27"/>
+          <p:cNvSpPr txBox="1"/>
+          <p:nvPr/>
+        </p:nvSpPr>
+        <p:spPr>
+          <a:xfrm>
+            <a:off x="6351982" y="4669336"/>
+            <a:ext cx="1279517" cy="523220"/>
+          </a:xfrm>
+          <a:prstGeom prst="rect">
+            <a:avLst/>
+          </a:prstGeom>
+          <a:noFill/>
+        </p:spPr>
+        <p:txBody>
+          <a:bodyPr wrap="none" rtlCol="0">
+            <a:spAutoFit/>
+          </a:bodyPr>
+          <a:lstStyle/>
+          <a:p>
+            <a:pPr algn="ctr"/>
+            <a:r>
+              <a:rPr lang="fi-FI" sz="1400" dirty="0" smtClean="0">
+                <a:solidFill>
+                  <a:schemeClr val="bg1"/>
+                </a:solidFill>
+              </a:rPr>
+              <a:t>Power </a:t>
+            </a:r>
+            <a:r>
+              <a:rPr lang="fi-FI" sz="1400" dirty="0" err="1" smtClean="0">
+                <a:solidFill>
+                  <a:schemeClr val="bg1"/>
+                </a:solidFill>
+              </a:rPr>
+              <a:t>facility</a:t>
+            </a:r>
+            <a:endParaRPr lang="fi-FI" sz="1400" dirty="0" smtClean="0">
+              <a:solidFill>
+                <a:schemeClr val="bg1"/>
+              </a:solidFill>
+            </a:endParaRPr>
+          </a:p>
+          <a:p>
+            <a:pPr algn="ctr"/>
+            <a:r>
+              <a:rPr lang="fi-FI" sz="1400" dirty="0" err="1" smtClean="0">
+                <a:solidFill>
+                  <a:schemeClr val="bg1"/>
+                </a:solidFill>
+              </a:rPr>
+              <a:t>webservice</a:t>
+            </a:r>
+            <a:endParaRPr lang="fi-FI" sz="1400" dirty="0">
+              <a:solidFill>
+                <a:schemeClr val="bg1"/>
+              </a:solidFill>
+            </a:endParaRPr>
+          </a:p>
+        </p:txBody>
+      </p:sp>
+      <p:sp>
+        <p:nvSpPr>
+          <p:cNvPr id="29" name="Tekstiruutu 28"/>
+          <p:cNvSpPr txBox="1"/>
+          <p:nvPr/>
+        </p:nvSpPr>
+        <p:spPr>
+          <a:xfrm>
+            <a:off x="6351982" y="5357802"/>
+            <a:ext cx="1189749" cy="307777"/>
+          </a:xfrm>
+          <a:prstGeom prst="rect">
+            <a:avLst/>
+          </a:prstGeom>
+          <a:noFill/>
+        </p:spPr>
+        <p:txBody>
+          <a:bodyPr wrap="none" rtlCol="0">
+            <a:spAutoFit/>
+          </a:bodyPr>
+          <a:lstStyle/>
+          <a:p>
+            <a:pPr algn="ctr"/>
+            <a:r>
+              <a:rPr lang="fi-FI" sz="1400" dirty="0" smtClean="0">
+                <a:solidFill>
+                  <a:schemeClr val="bg1"/>
+                </a:solidFill>
+              </a:rPr>
+              <a:t>Social </a:t>
+            </a:r>
+            <a:r>
+              <a:rPr lang="fi-FI" sz="1200" dirty="0" smtClean="0">
+                <a:solidFill>
+                  <a:schemeClr val="bg1"/>
+                </a:solidFill>
+              </a:rPr>
+              <a:t>Media </a:t>
+            </a:r>
+          </a:p>
+        </p:txBody>
+      </p:sp>
+      <p:sp>
+        <p:nvSpPr>
+          <p:cNvPr id="14" name="Tekstiruutu 13"/>
+          <p:cNvSpPr txBox="1"/>
+          <p:nvPr/>
+        </p:nvSpPr>
+        <p:spPr>
+          <a:xfrm>
+            <a:off x="2699792" y="5157192"/>
+            <a:ext cx="1157543" cy="707886"/>
+          </a:xfrm>
+          <a:prstGeom prst="rect">
+            <a:avLst/>
+          </a:prstGeom>
+          <a:noFill/>
+        </p:spPr>
+        <p:txBody>
+          <a:bodyPr wrap="square" rtlCol="0">
+            <a:spAutoFit/>
+          </a:bodyPr>
+          <a:lstStyle/>
+          <a:p>
+            <a:pPr algn="ctr"/>
+            <a:r>
+              <a:rPr lang="fi-FI" sz="1400" dirty="0" err="1" smtClean="0">
+                <a:solidFill>
+                  <a:schemeClr val="bg1"/>
+                </a:solidFill>
+              </a:rPr>
+              <a:t>Greendel</a:t>
+            </a:r>
+            <a:r>
+              <a:rPr lang="fi-FI" sz="1400" dirty="0" smtClean="0">
+                <a:solidFill>
+                  <a:schemeClr val="bg1"/>
+                </a:solidFill>
+              </a:rPr>
+              <a:t> </a:t>
+            </a:r>
+            <a:r>
+              <a:rPr lang="fi-FI" sz="1400" dirty="0" err="1" smtClean="0">
+                <a:solidFill>
+                  <a:schemeClr val="bg1"/>
+                </a:solidFill>
+              </a:rPr>
+              <a:t>embedded</a:t>
+            </a:r>
+            <a:endParaRPr lang="fi-FI" sz="1400" dirty="0" smtClean="0">
+              <a:solidFill>
+                <a:schemeClr val="bg1"/>
+              </a:solidFill>
+            </a:endParaRPr>
+          </a:p>
+          <a:p>
+            <a:pPr algn="ctr"/>
+            <a:r>
+              <a:rPr lang="fi-FI" sz="1200" dirty="0" smtClean="0">
+                <a:solidFill>
+                  <a:schemeClr val="bg1"/>
+                </a:solidFill>
+              </a:rPr>
+              <a:t> </a:t>
+            </a:r>
+            <a:endParaRPr lang="fi-FI" sz="1200" dirty="0">
+              <a:solidFill>
+                <a:schemeClr val="bg1"/>
+              </a:solidFill>
+            </a:endParaRPr>
+          </a:p>
+        </p:txBody>
+      </p:sp>
+      <p:pic>
+        <p:nvPicPr>
+          <p:cNvPr id="9" name="Kuva 8"/>
+          <p:cNvPicPr>
+            <a:picLocks noChangeAspect="1"/>
+          </p:cNvPicPr>
+          <p:nvPr/>
+        </p:nvPicPr>
+        <p:blipFill rotWithShape="1">
+          <a:blip r:embed="rId11" cstate="print">
+            <a:clrChange>
+              <a:clrFrom>
+                <a:srgbClr val="FFFFFF"/>
+              </a:clrFrom>
+              <a:clrTo>
+                <a:srgbClr val="FFFFFF">
+                  <a:alpha val="0"/>
+                </a:srgbClr>
+              </a:clrTo>
+            </a:clrChange>
+            <a:extLst>
+              <a:ext uri="{28A0092B-C50C-407E-A947-70E740481C1C}">
+                <a14:useLocalDpi xmlns:a14="http://schemas.microsoft.com/office/drawing/2010/main" val="0"/>
+              </a:ext>
+            </a:extLst>
+          </a:blip>
+          <a:srcRect b="24125"/>
+          <a:stretch/>
+        </p:blipFill>
+        <p:spPr>
+          <a:xfrm>
+            <a:off x="1600447" y="1842490"/>
+            <a:ext cx="864553" cy="655979"/>
+          </a:xfrm>
+          <a:prstGeom prst="rect">
+            <a:avLst/>
+          </a:prstGeom>
+        </p:spPr>
+      </p:pic>
+      <p:sp>
+        <p:nvSpPr>
+          <p:cNvPr id="2064" name="Nuoli vasemmalle ja ylös 2063"/>
+          <p:cNvSpPr/>
+          <p:nvPr/>
+        </p:nvSpPr>
+        <p:spPr>
+          <a:xfrm rot="10800000">
+            <a:off x="2051721" y="4725144"/>
+            <a:ext cx="952945" cy="504056"/>
+          </a:xfrm>
+          <a:prstGeom prst="leftUpArrow">
+            <a:avLst/>
+          </a:prstGeom>
+        </p:spPr>
+        <p:style>
+          <a:lnRef idx="0">
+            <a:schemeClr val="accent6"/>
+          </a:lnRef>
+          <a:fillRef idx="3">
+            <a:schemeClr val="accent6"/>
+          </a:fillRef>
+          <a:effectRef idx="3">
+            <a:schemeClr val="accent6"/>
+          </a:effectRef>
+          <a:fontRef idx="minor">
+            <a:schemeClr val="lt1"/>
+          </a:fontRef>
+        </p:style>
+        <p:txBody>
+          <a:bodyPr rtlCol="0" anchor="ctr"/>
+          <a:lstStyle/>
+          <a:p>
+            <a:pPr algn="ctr"/>
+            <a:endParaRPr lang="fi-FI"/>
+          </a:p>
+        </p:txBody>
+      </p:sp>
+      <p:sp>
+        <p:nvSpPr>
+          <p:cNvPr id="52" name="Nuoli vasemmalle ja ylös 51"/>
+          <p:cNvSpPr/>
+          <p:nvPr/>
+        </p:nvSpPr>
+        <p:spPr>
+          <a:xfrm>
+            <a:off x="3802479" y="4061659"/>
+            <a:ext cx="711247" cy="773092"/>
+          </a:xfrm>
+          <a:prstGeom prst="leftUpArrow">
+            <a:avLst>
+              <a:gd name="adj1" fmla="val 20715"/>
+              <a:gd name="adj2" fmla="val 25000"/>
+              <a:gd name="adj3" fmla="val 25000"/>
+            </a:avLst>
+          </a:prstGeom>
+        </p:spPr>
+        <p:style>
+          <a:lnRef idx="0">
+            <a:schemeClr val="accent5"/>
+          </a:lnRef>
+          <a:fillRef idx="3">
+            <a:schemeClr val="accent5"/>
+          </a:fillRef>
+          <a:effectRef idx="3">
+            <a:schemeClr val="accent5"/>
+          </a:effectRef>
+          <a:fontRef idx="minor">
+            <a:schemeClr val="lt1"/>
+          </a:fontRef>
+        </p:style>
+        <p:txBody>
+          <a:bodyPr rtlCol="0" anchor="ctr"/>
+          <a:lstStyle/>
+          <a:p>
+            <a:pPr algn="ctr"/>
+            <a:endParaRPr lang="fi-FI"/>
+          </a:p>
+        </p:txBody>
+      </p:sp>
+      <p:sp>
+        <p:nvSpPr>
+          <p:cNvPr id="2068" name="Tekstiruutu 2067"/>
+          <p:cNvSpPr txBox="1"/>
+          <p:nvPr/>
+        </p:nvSpPr>
+        <p:spPr>
+          <a:xfrm>
+            <a:off x="5724128" y="1228690"/>
+            <a:ext cx="1938351" cy="400110"/>
+          </a:xfrm>
+          <a:prstGeom prst="rect">
+            <a:avLst/>
+          </a:prstGeom>
+          <a:noFill/>
+        </p:spPr>
+        <p:txBody>
+          <a:bodyPr wrap="none" rtlCol="0">
+            <a:spAutoFit/>
+          </a:bodyPr>
+          <a:lstStyle/>
+          <a:p>
+            <a:r>
+              <a:rPr lang="fi-FI" sz="2000" dirty="0" err="1" smtClean="0"/>
+              <a:t>Azure</a:t>
+            </a:r>
+            <a:r>
+              <a:rPr lang="fi-FI" sz="2000" dirty="0" smtClean="0"/>
+              <a:t> </a:t>
+            </a:r>
+            <a:r>
+              <a:rPr lang="fi-FI" sz="2000" dirty="0" err="1" smtClean="0"/>
+              <a:t>platform</a:t>
+            </a:r>
+            <a:endParaRPr lang="fi-FI" sz="2000" dirty="0"/>
+          </a:p>
+        </p:txBody>
+      </p:sp>
+      <p:sp>
+        <p:nvSpPr>
+          <p:cNvPr id="62" name="Nuoli vasemmalle ja ylös 61"/>
+          <p:cNvSpPr/>
+          <p:nvPr/>
+        </p:nvSpPr>
+        <p:spPr>
+          <a:xfrm rot="16200000">
+            <a:off x="3312175" y="1948676"/>
+            <a:ext cx="864097" cy="773092"/>
+          </a:xfrm>
+          <a:prstGeom prst="leftUpArrow">
+            <a:avLst>
+              <a:gd name="adj1" fmla="val 20715"/>
+              <a:gd name="adj2" fmla="val 25000"/>
+              <a:gd name="adj3" fmla="val 25000"/>
+            </a:avLst>
+          </a:prstGeom>
+        </p:spPr>
+        <p:style>
+          <a:lnRef idx="0">
+            <a:schemeClr val="accent5"/>
+          </a:lnRef>
+          <a:fillRef idx="3">
+            <a:schemeClr val="accent5"/>
+          </a:fillRef>
+          <a:effectRef idx="3">
+            <a:schemeClr val="accent5"/>
+          </a:effectRef>
+          <a:fontRef idx="minor">
+            <a:schemeClr val="lt1"/>
+          </a:fontRef>
+        </p:style>
+        <p:txBody>
+          <a:bodyPr rtlCol="0" anchor="ctr"/>
+          <a:lstStyle/>
+          <a:p>
+            <a:pPr algn="ctr"/>
+            <a:endParaRPr lang="fi-FI"/>
+          </a:p>
+        </p:txBody>
+      </p:sp>
+      <p:sp>
+        <p:nvSpPr>
+          <p:cNvPr id="63" name="Nuoli vasemmalle ja ylös 62"/>
+          <p:cNvSpPr/>
+          <p:nvPr/>
+        </p:nvSpPr>
+        <p:spPr>
+          <a:xfrm rot="5400000">
+            <a:off x="4703803" y="3920846"/>
+            <a:ext cx="864098" cy="1032535"/>
+          </a:xfrm>
+          <a:prstGeom prst="leftUpArrow">
+            <a:avLst>
+              <a:gd name="adj1" fmla="val 16772"/>
+              <a:gd name="adj2" fmla="val 25986"/>
+              <a:gd name="adj3" fmla="val 25000"/>
+            </a:avLst>
+          </a:prstGeom>
+        </p:spPr>
+        <p:style>
+          <a:lnRef idx="0">
+            <a:schemeClr val="accent5"/>
+          </a:lnRef>
+          <a:fillRef idx="3">
+            <a:schemeClr val="accent5"/>
+          </a:fillRef>
+          <a:effectRef idx="3">
+            <a:schemeClr val="accent5"/>
+          </a:effectRef>
+          <a:fontRef idx="minor">
+            <a:schemeClr val="lt1"/>
+          </a:fontRef>
+        </p:style>
+        <p:txBody>
+          <a:bodyPr rtlCol="0" anchor="ctr"/>
+          <a:lstStyle/>
+          <a:p>
+            <a:pPr algn="ctr"/>
+            <a:endParaRPr lang="fi-FI"/>
+          </a:p>
+        </p:txBody>
+      </p:sp>
+      <p:sp>
+        <p:nvSpPr>
+          <p:cNvPr id="64" name="Nuoli vasemmalle ja ylös 63"/>
+          <p:cNvSpPr/>
+          <p:nvPr/>
+        </p:nvSpPr>
+        <p:spPr>
+          <a:xfrm rot="10800000">
+            <a:off x="4166505" y="1906968"/>
+            <a:ext cx="693527" cy="873959"/>
+          </a:xfrm>
+          <a:prstGeom prst="leftUpArrow">
+            <a:avLst>
+              <a:gd name="adj1" fmla="val 20715"/>
+              <a:gd name="adj2" fmla="val 28296"/>
+              <a:gd name="adj3" fmla="val 25000"/>
+            </a:avLst>
+          </a:prstGeom>
+        </p:spPr>
+        <p:style>
+          <a:lnRef idx="0">
+            <a:schemeClr val="accent5"/>
+          </a:lnRef>
+          <a:fillRef idx="3">
+            <a:schemeClr val="accent5"/>
+          </a:fillRef>
+          <a:effectRef idx="3">
+            <a:schemeClr val="accent5"/>
+          </a:effectRef>
+          <a:fontRef idx="minor">
+            <a:schemeClr val="lt1"/>
+          </a:fontRef>
+        </p:style>
+        <p:txBody>
+          <a:bodyPr rtlCol="0" anchor="ctr"/>
+          <a:lstStyle/>
+          <a:p>
+            <a:pPr algn="ctr"/>
+            <a:endParaRPr lang="fi-FI"/>
+          </a:p>
+        </p:txBody>
+      </p:sp>
+      <p:pic>
+        <p:nvPicPr>
+          <p:cNvPr id="2069" name="Kuva 2068"/>
           <p:cNvPicPr>
             <a:picLocks noChangeAspect="1"/>
           </p:cNvPicPr>
           <p:nvPr/>
         </p:nvPicPr>
         <p:blipFill>
-          <a:blip r:embed="rId3" cstate="print">
+          <a:blip r:embed="rId12">
+            <a:clrChange>
+              <a:clrFrom>
+                <a:srgbClr val="FFFFFF"/>
+              </a:clrFrom>
+              <a:clrTo>
+                <a:srgbClr val="FFFFFF">
+                  <a:alpha val="0"/>
+                </a:srgbClr>
+              </a:clrTo>
+            </a:clrChange>
             <a:extLst>
               <a:ext uri="{28A0092B-C50C-407E-A947-70E740481C1C}">
-                <a14:useLocalDpi xmlns:a14="http://schemas.microsoft.com/office/drawing/2010/main" xmlns="" val="0"/>
+                <a14:useLocalDpi xmlns:a14="http://schemas.microsoft.com/office/drawing/2010/main" val="0"/>
               </a:ext>
             </a:extLst>
           </a:blip>
@@ -6231,48 +7484,425 @@
         </p:blipFill>
         <p:spPr>
           <a:xfrm>
-            <a:off x="1269141" y="0"/>
-            <a:ext cx="6245678" cy="6858000"/>
+            <a:off x="6624186" y="1388363"/>
+            <a:ext cx="1476206" cy="1110106"/>
           </a:xfrm>
           <a:prstGeom prst="rect">
             <a:avLst/>
           </a:prstGeom>
-          <a:solidFill>
-            <a:srgbClr val="FFFFFF">
-              <a:shade val="85000"/>
-            </a:srgbClr>
-          </a:solidFill>
-          <a:ln w="88900" cap="sq">
-            <a:solidFill>
-              <a:srgbClr val="FFFFFF"/>
-            </a:solidFill>
-            <a:miter lim="800000"/>
-          </a:ln>
-          <a:effectLst>
-            <a:outerShdw blurRad="55000" dist="18000" dir="5400000" algn="tl" rotWithShape="0">
-              <a:srgbClr val="000000">
-                <a:alpha val="40000"/>
-              </a:srgbClr>
-            </a:outerShdw>
-          </a:effectLst>
-          <a:scene3d>
-            <a:camera prst="orthographicFront"/>
-            <a:lightRig rig="twoPt" dir="t">
-              <a:rot lat="0" lon="0" rev="7200000"/>
-            </a:lightRig>
-          </a:scene3d>
-          <a:sp3d>
-            <a:bevelT w="25400" h="19050"/>
-            <a:contourClr>
-              <a:srgbClr val="FFFFFF"/>
-            </a:contourClr>
-          </a:sp3d>
         </p:spPr>
       </p:pic>
+      <p:sp>
+        <p:nvSpPr>
+          <p:cNvPr id="2070" name="Nuoli vasemmalle ja oikealle 2069"/>
+          <p:cNvSpPr/>
+          <p:nvPr/>
+        </p:nvSpPr>
+        <p:spPr>
+          <a:xfrm>
+            <a:off x="5940152" y="1844824"/>
+            <a:ext cx="657236" cy="307930"/>
+          </a:xfrm>
+          <a:prstGeom prst="leftRightArrow">
+            <a:avLst>
+              <a:gd name="adj1" fmla="val 46678"/>
+              <a:gd name="adj2" fmla="val 35966"/>
+            </a:avLst>
+          </a:prstGeom>
+        </p:spPr>
+        <p:style>
+          <a:lnRef idx="2">
+            <a:schemeClr val="accent5"/>
+          </a:lnRef>
+          <a:fillRef idx="1">
+            <a:schemeClr val="lt1"/>
+          </a:fillRef>
+          <a:effectRef idx="0">
+            <a:schemeClr val="accent5"/>
+          </a:effectRef>
+          <a:fontRef idx="minor">
+            <a:schemeClr val="dk1"/>
+          </a:fontRef>
+        </p:style>
+        <p:txBody>
+          <a:bodyPr rtlCol="0" anchor="ctr"/>
+          <a:lstStyle/>
+          <a:p>
+            <a:pPr algn="ctr"/>
+            <a:endParaRPr lang="fi-FI"/>
+          </a:p>
+        </p:txBody>
+      </p:sp>
+      <p:sp>
+        <p:nvSpPr>
+          <p:cNvPr id="2072" name="Tekstiruutu 2071"/>
+          <p:cNvSpPr txBox="1"/>
+          <p:nvPr/>
+        </p:nvSpPr>
+        <p:spPr>
+          <a:xfrm>
+            <a:off x="3968900" y="4725144"/>
+            <a:ext cx="1539204" cy="307777"/>
+          </a:xfrm>
+          <a:prstGeom prst="rect">
+            <a:avLst/>
+          </a:prstGeom>
+          <a:noFill/>
+        </p:spPr>
+        <p:txBody>
+          <a:bodyPr wrap="none" rtlCol="0">
+            <a:spAutoFit/>
+          </a:bodyPr>
+          <a:lstStyle/>
+          <a:p>
+            <a:r>
+              <a:rPr lang="fi-FI" sz="1400" dirty="0" smtClean="0">
+                <a:solidFill>
+                  <a:schemeClr val="bg1"/>
+                </a:solidFill>
+              </a:rPr>
+              <a:t>HTML/XML-data</a:t>
+            </a:r>
+            <a:endParaRPr lang="fi-FI" sz="1400" dirty="0">
+              <a:solidFill>
+                <a:schemeClr val="bg1"/>
+              </a:solidFill>
+            </a:endParaRPr>
+          </a:p>
+        </p:txBody>
+      </p:sp>
+      <p:sp>
+        <p:nvSpPr>
+          <p:cNvPr id="69" name="Tekstiruutu 68"/>
+          <p:cNvSpPr txBox="1"/>
+          <p:nvPr/>
+        </p:nvSpPr>
+        <p:spPr>
+          <a:xfrm>
+            <a:off x="3373089" y="1611879"/>
+            <a:ext cx="1539204" cy="307777"/>
+          </a:xfrm>
+          <a:prstGeom prst="rect">
+            <a:avLst/>
+          </a:prstGeom>
+          <a:noFill/>
+        </p:spPr>
+        <p:txBody>
+          <a:bodyPr wrap="none" rtlCol="0">
+            <a:spAutoFit/>
+          </a:bodyPr>
+          <a:lstStyle/>
+          <a:p>
+            <a:r>
+              <a:rPr lang="fi-FI" sz="1400" dirty="0" smtClean="0">
+                <a:solidFill>
+                  <a:schemeClr val="bg1"/>
+                </a:solidFill>
+              </a:rPr>
+              <a:t>HTML/XML-data</a:t>
+            </a:r>
+            <a:endParaRPr lang="fi-FI" sz="1400" dirty="0">
+              <a:solidFill>
+                <a:schemeClr val="bg1"/>
+              </a:solidFill>
+            </a:endParaRPr>
+          </a:p>
+        </p:txBody>
+      </p:sp>
+      <p:sp>
+        <p:nvSpPr>
+          <p:cNvPr id="2073" name="Tekstiruutu 2072"/>
+          <p:cNvSpPr txBox="1"/>
+          <p:nvPr/>
+        </p:nvSpPr>
+        <p:spPr>
+          <a:xfrm>
+            <a:off x="2123728" y="4335487"/>
+            <a:ext cx="819455" cy="461665"/>
+          </a:xfrm>
+          <a:prstGeom prst="rect">
+            <a:avLst/>
+          </a:prstGeom>
+          <a:noFill/>
+        </p:spPr>
+        <p:txBody>
+          <a:bodyPr wrap="none" rtlCol="0">
+            <a:spAutoFit/>
+          </a:bodyPr>
+          <a:lstStyle/>
+          <a:p>
+            <a:r>
+              <a:rPr lang="fi-FI" sz="1200" dirty="0" err="1" smtClean="0">
+                <a:solidFill>
+                  <a:schemeClr val="bg1"/>
+                </a:solidFill>
+              </a:rPr>
+              <a:t>Ethernet</a:t>
+            </a:r>
+            <a:r>
+              <a:rPr lang="fi-FI" sz="1200" dirty="0" smtClean="0">
+                <a:solidFill>
+                  <a:schemeClr val="bg1"/>
+                </a:solidFill>
+              </a:rPr>
+              <a:t> </a:t>
+            </a:r>
+          </a:p>
+          <a:p>
+            <a:r>
+              <a:rPr lang="fi-FI" sz="1200" dirty="0" err="1" smtClean="0">
+                <a:solidFill>
+                  <a:schemeClr val="bg1"/>
+                </a:solidFill>
+              </a:rPr>
+              <a:t>modbus</a:t>
+            </a:r>
+            <a:endParaRPr lang="fi-FI" sz="1200" dirty="0">
+              <a:solidFill>
+                <a:schemeClr val="bg1"/>
+              </a:solidFill>
+            </a:endParaRPr>
+          </a:p>
+        </p:txBody>
+      </p:sp>
+      <p:cxnSp>
+        <p:nvCxnSpPr>
+          <p:cNvPr id="2075" name="Suora yhdysviiva 2074"/>
+          <p:cNvCxnSpPr/>
+          <p:nvPr/>
+        </p:nvCxnSpPr>
+        <p:spPr>
+          <a:xfrm flipV="1">
+            <a:off x="5804919" y="2564906"/>
+            <a:ext cx="851931" cy="2"/>
+          </a:xfrm>
+          <a:prstGeom prst="line">
+            <a:avLst/>
+          </a:prstGeom>
+        </p:spPr>
+        <p:style>
+          <a:lnRef idx="2">
+            <a:schemeClr val="dk1"/>
+          </a:lnRef>
+          <a:fillRef idx="0">
+            <a:schemeClr val="dk1"/>
+          </a:fillRef>
+          <a:effectRef idx="1">
+            <a:schemeClr val="dk1"/>
+          </a:effectRef>
+          <a:fontRef idx="minor">
+            <a:schemeClr val="tx1"/>
+          </a:fontRef>
+        </p:style>
+      </p:cxnSp>
+      <p:cxnSp>
+        <p:nvCxnSpPr>
+          <p:cNvPr id="2079" name="Suora yhdysviiva 2078"/>
+          <p:cNvCxnSpPr/>
+          <p:nvPr/>
+        </p:nvCxnSpPr>
+        <p:spPr>
+          <a:xfrm flipV="1">
+            <a:off x="6228184" y="2335222"/>
+            <a:ext cx="0" cy="229682"/>
+          </a:xfrm>
+          <a:prstGeom prst="line">
+            <a:avLst/>
+          </a:prstGeom>
+        </p:spPr>
+        <p:style>
+          <a:lnRef idx="2">
+            <a:schemeClr val="dk1"/>
+          </a:lnRef>
+          <a:fillRef idx="0">
+            <a:schemeClr val="dk1"/>
+          </a:fillRef>
+          <a:effectRef idx="1">
+            <a:schemeClr val="dk1"/>
+          </a:effectRef>
+          <a:fontRef idx="minor">
+            <a:schemeClr val="tx1"/>
+          </a:fontRef>
+        </p:style>
+      </p:cxnSp>
+      <p:cxnSp>
+        <p:nvCxnSpPr>
+          <p:cNvPr id="35" name="Suora yhdysviiva 34"/>
+          <p:cNvCxnSpPr/>
+          <p:nvPr/>
+        </p:nvCxnSpPr>
+        <p:spPr>
+          <a:xfrm flipH="1" flipV="1">
+            <a:off x="5796136" y="2335222"/>
+            <a:ext cx="434748" cy="1"/>
+          </a:xfrm>
+          <a:prstGeom prst="line">
+            <a:avLst/>
+          </a:prstGeom>
+        </p:spPr>
+        <p:style>
+          <a:lnRef idx="2">
+            <a:schemeClr val="dk1"/>
+          </a:lnRef>
+          <a:fillRef idx="0">
+            <a:schemeClr val="dk1"/>
+          </a:fillRef>
+          <a:effectRef idx="1">
+            <a:schemeClr val="dk1"/>
+          </a:effectRef>
+          <a:fontRef idx="minor">
+            <a:schemeClr val="tx1"/>
+          </a:fontRef>
+        </p:style>
+      </p:cxnSp>
+      <p:grpSp>
+        <p:nvGrpSpPr>
+          <p:cNvPr id="2066" name="Ryhmä 2065"/>
+          <p:cNvGrpSpPr/>
+          <p:nvPr/>
+        </p:nvGrpSpPr>
+        <p:grpSpPr>
+          <a:xfrm>
+            <a:off x="5219322" y="1844824"/>
+            <a:ext cx="648822" cy="528999"/>
+            <a:chOff x="5436097" y="1648173"/>
+            <a:chExt cx="845832" cy="689626"/>
+          </a:xfrm>
+        </p:grpSpPr>
+        <p:pic>
+          <p:nvPicPr>
+            <p:cNvPr id="57" name="Picture 3"/>
+            <p:cNvPicPr>
+              <a:picLocks noChangeAspect="1"/>
+            </p:cNvPicPr>
+            <p:nvPr/>
+          </p:nvPicPr>
+          <p:blipFill rotWithShape="1">
+            <a:blip r:embed="rId13" cstate="print">
+              <a:extLst>
+                <a:ext uri="{28A0092B-C50C-407E-A947-70E740481C1C}">
+                  <a14:useLocalDpi xmlns:a14="http://schemas.microsoft.com/office/drawing/2010/main" val="0"/>
+                </a:ext>
+              </a:extLst>
+            </a:blip>
+            <a:srcRect l="49711" t="20111" r="40163" b="72777"/>
+            <a:stretch/>
+          </p:blipFill>
+          <p:spPr>
+            <a:xfrm>
+              <a:off x="5436097" y="1648173"/>
+              <a:ext cx="530571" cy="409116"/>
+            </a:xfrm>
+            <a:prstGeom prst="rect">
+              <a:avLst/>
+            </a:prstGeom>
+            <a:ln w="6350" cap="sq">
+              <a:solidFill>
+                <a:srgbClr val="000000"/>
+              </a:solidFill>
+              <a:prstDash val="solid"/>
+              <a:miter lim="800000"/>
+            </a:ln>
+            <a:effectLst>
+              <a:outerShdw blurRad="50800" dist="38100" dir="2700000" algn="tl" rotWithShape="0">
+                <a:srgbClr val="000000">
+                  <a:alpha val="43000"/>
+                </a:srgbClr>
+              </a:outerShdw>
+            </a:effectLst>
+          </p:spPr>
+        </p:pic>
+        <p:pic>
+          <p:nvPicPr>
+            <p:cNvPr id="55" name="Picture 3"/>
+            <p:cNvPicPr>
+              <a:picLocks noChangeAspect="1"/>
+            </p:cNvPicPr>
+            <p:nvPr/>
+          </p:nvPicPr>
+          <p:blipFill rotWithShape="1">
+            <a:blip r:embed="rId14" cstate="print">
+              <a:extLst>
+                <a:ext uri="{28A0092B-C50C-407E-A947-70E740481C1C}">
+                  <a14:useLocalDpi xmlns:a14="http://schemas.microsoft.com/office/drawing/2010/main" val="0"/>
+                </a:ext>
+              </a:extLst>
+            </a:blip>
+            <a:srcRect l="49711" t="20111" r="40163" b="72777"/>
+            <a:stretch/>
+          </p:blipFill>
+          <p:spPr>
+            <a:xfrm>
+              <a:off x="5508105" y="1728177"/>
+              <a:ext cx="576814" cy="444773"/>
+            </a:xfrm>
+            <a:prstGeom prst="rect">
+              <a:avLst/>
+            </a:prstGeom>
+            <a:ln w="6350" cap="sq">
+              <a:solidFill>
+                <a:srgbClr val="000000"/>
+              </a:solidFill>
+              <a:prstDash val="solid"/>
+              <a:miter lim="800000"/>
+            </a:ln>
+            <a:effectLst>
+              <a:outerShdw blurRad="50800" dist="38100" dir="2700000" algn="tl" rotWithShape="0">
+                <a:srgbClr val="000000">
+                  <a:alpha val="43000"/>
+                </a:srgbClr>
+              </a:outerShdw>
+            </a:effectLst>
+          </p:spPr>
+        </p:pic>
+        <p:pic>
+          <p:nvPicPr>
+            <p:cNvPr id="56" name="Picture 3"/>
+            <p:cNvPicPr>
+              <a:picLocks noChangeAspect="1"/>
+            </p:cNvPicPr>
+            <p:nvPr/>
+          </p:nvPicPr>
+          <p:blipFill rotWithShape="1">
+            <a:blip r:embed="rId15" cstate="print">
+              <a:extLst>
+                <a:ext uri="{28A0092B-C50C-407E-A947-70E740481C1C}">
+                  <a14:useLocalDpi xmlns:a14="http://schemas.microsoft.com/office/drawing/2010/main" val="0"/>
+                </a:ext>
+              </a:extLst>
+            </a:blip>
+            <a:srcRect l="49711" t="20111" r="40163" b="72777"/>
+            <a:stretch/>
+          </p:blipFill>
+          <p:spPr>
+            <a:xfrm>
+              <a:off x="5585110" y="1800493"/>
+              <a:ext cx="696819" cy="537306"/>
+            </a:xfrm>
+            <a:prstGeom prst="rect">
+              <a:avLst/>
+            </a:prstGeom>
+            <a:ln w="6350" cap="sq">
+              <a:solidFill>
+                <a:srgbClr val="000000"/>
+              </a:solidFill>
+              <a:prstDash val="solid"/>
+              <a:miter lim="800000"/>
+            </a:ln>
+            <a:effectLst>
+              <a:outerShdw blurRad="50800" dist="38100" dir="2700000" algn="tl" rotWithShape="0">
+                <a:srgbClr val="000000">
+                  <a:alpha val="43000"/>
+                </a:srgbClr>
+              </a:outerShdw>
+            </a:effectLst>
+          </p:spPr>
+        </p:pic>
+      </p:grpSp>
     </p:spTree>
     <p:extLst>
       <p:ext uri="{BB962C8B-B14F-4D97-AF65-F5344CB8AC3E}">
-        <p14:creationId xmlns:p14="http://schemas.microsoft.com/office/powerpoint/2010/main" xmlns="" val="4066901625"/>
+        <p14:creationId xmlns:p14="http://schemas.microsoft.com/office/powerpoint/2010/main" val="4066901625"/>
       </p:ext>
     </p:extLst>
   </p:cSld>
@@ -6280,8 +7910,8 @@
     <a:masterClrMapping/>
   </p:clrMapOvr>
   <mc:AlternateContent xmlns:mc="http://schemas.openxmlformats.org/markup-compatibility/2006">
-    <mc:Choice xmlns:p14="http://schemas.microsoft.com/office/powerpoint/2010/main" xmlns="" Requires="p14">
-      <p:transition p14:dur="0"/>
+    <mc:Choice xmlns:p14="http://schemas.microsoft.com/office/powerpoint/2010/main" Requires="p14">
+      <p:transition p14:dur="10"/>
     </mc:Choice>
     <mc:Fallback>
       <p:transition/>
@@ -6314,88 +7944,192 @@
           <a:chExt cx="0" cy="0"/>
         </a:xfrm>
       </p:grpSpPr>
-      <p:pic>
-        <p:nvPicPr>
-          <p:cNvPr id="4" name="Picture 3"/>
-          <p:cNvPicPr>
-            <a:picLocks noChangeAspect="1"/>
-          </p:cNvPicPr>
-          <p:nvPr/>
-        </p:nvPicPr>
-        <p:blipFill>
-          <a:blip r:embed="rId3" cstate="print">
-            <a:extLst>
-              <a:ext uri="{28A0092B-C50C-407E-A947-70E740481C1C}">
-                <a14:useLocalDpi xmlns:a14="http://schemas.microsoft.com/office/drawing/2010/main" xmlns="" val="0"/>
-              </a:ext>
-            </a:extLst>
-          </a:blip>
-          <a:stretch>
-            <a:fillRect/>
-          </a:stretch>
-        </p:blipFill>
+      <p:sp>
+        <p:nvSpPr>
+          <p:cNvPr id="6" name="Content Placeholder 5"/>
+          <p:cNvSpPr>
+            <a:spLocks noGrp="1"/>
+          </p:cNvSpPr>
+          <p:nvPr>
+            <p:ph idx="1"/>
+          </p:nvPr>
+        </p:nvSpPr>
         <p:spPr>
           <a:xfrm>
-            <a:off x="1265084" y="-1"/>
-            <a:ext cx="6229634" cy="6840383"/>
+            <a:off x="1043608" y="1200150"/>
+            <a:ext cx="6624736" cy="4245073"/>
           </a:xfrm>
-          <a:prstGeom prst="rect">
-            <a:avLst/>
-          </a:prstGeom>
-          <a:solidFill>
-            <a:srgbClr val="FFFFFF">
-              <a:shade val="85000"/>
-            </a:srgbClr>
-          </a:solidFill>
-          <a:ln w="88900" cap="sq">
-            <a:solidFill>
-              <a:srgbClr val="FFFFFF"/>
-            </a:solidFill>
-            <a:miter lim="800000"/>
-          </a:ln>
-          <a:effectLst>
-            <a:outerShdw blurRad="55000" dist="18000" dir="5400000" algn="tl" rotWithShape="0">
-              <a:srgbClr val="000000">
-                <a:alpha val="40000"/>
-              </a:srgbClr>
-            </a:outerShdw>
-          </a:effectLst>
-          <a:scene3d>
-            <a:camera prst="orthographicFront"/>
-            <a:lightRig rig="twoPt" dir="t">
-              <a:rot lat="0" lon="0" rev="7200000"/>
-            </a:lightRig>
-          </a:scene3d>
-          <a:sp3d>
-            <a:bevelT w="25400" h="19050"/>
-            <a:contourClr>
-              <a:srgbClr val="FFFFFF"/>
-            </a:contourClr>
-          </a:sp3d>
         </p:spPr>
-      </p:pic>
+        <p:txBody>
+          <a:bodyPr>
+            <a:normAutofit lnSpcReduction="10000"/>
+          </a:bodyPr>
+          <a:lstStyle/>
+          <a:p>
+            <a:pPr marL="0" indent="0">
+              <a:lnSpc>
+                <a:spcPct val="150000"/>
+              </a:lnSpc>
+              <a:buNone/>
+            </a:pPr>
+            <a:r>
+              <a:rPr lang="en-US" sz="2400" b="1" dirty="0">
+                <a:solidFill>
+                  <a:srgbClr val="00CC00"/>
+                </a:solidFill>
+              </a:rPr>
+              <a:t>I</a:t>
+            </a:r>
+            <a:r>
+              <a:rPr lang="en-US" sz="2400" b="1" dirty="0" smtClean="0">
+                <a:solidFill>
+                  <a:srgbClr val="00CC00"/>
+                </a:solidFill>
+              </a:rPr>
+              <a:t>nteroperable</a:t>
+            </a:r>
+            <a:r>
+              <a:rPr lang="en-US" sz="2400" dirty="0" smtClean="0">
+                <a:solidFill>
+                  <a:srgbClr val="00CC00"/>
+                </a:solidFill>
+              </a:rPr>
+              <a:t> set of technologies</a:t>
+            </a:r>
+          </a:p>
+          <a:p>
+            <a:pPr>
+              <a:lnSpc>
+                <a:spcPct val="150000"/>
+              </a:lnSpc>
+            </a:pPr>
+            <a:r>
+              <a:rPr lang="en-US" sz="1800" dirty="0" smtClean="0">
+                <a:solidFill>
+                  <a:schemeClr val="bg1"/>
+                </a:solidFill>
+              </a:rPr>
+              <a:t>Microsoft Azure hosting</a:t>
+            </a:r>
+          </a:p>
+          <a:p>
+            <a:pPr>
+              <a:lnSpc>
+                <a:spcPct val="150000"/>
+              </a:lnSpc>
+            </a:pPr>
+            <a:r>
+              <a:rPr lang="en-US" sz="1800" dirty="0" err="1" smtClean="0">
+                <a:solidFill>
+                  <a:schemeClr val="bg1"/>
+                </a:solidFill>
+              </a:rPr>
+              <a:t>IronRuby</a:t>
+            </a:r>
+            <a:r>
+              <a:rPr lang="en-US" sz="1800" dirty="0" smtClean="0">
+                <a:solidFill>
+                  <a:schemeClr val="bg1"/>
+                </a:solidFill>
+              </a:rPr>
+              <a:t> on Rails web scripting</a:t>
+            </a:r>
+          </a:p>
+          <a:p>
+            <a:pPr>
+              <a:lnSpc>
+                <a:spcPct val="150000"/>
+              </a:lnSpc>
+            </a:pPr>
+            <a:r>
+              <a:rPr lang="en-US" sz="1800" dirty="0" smtClean="0">
+                <a:solidFill>
+                  <a:schemeClr val="bg1"/>
+                </a:solidFill>
+              </a:rPr>
+              <a:t>Plugin-architecture for interacting with remote web services</a:t>
+            </a:r>
+          </a:p>
+          <a:p>
+            <a:pPr>
+              <a:lnSpc>
+                <a:spcPct val="150000"/>
+              </a:lnSpc>
+            </a:pPr>
+            <a:r>
+              <a:rPr lang="en-US" sz="1800" dirty="0">
+                <a:solidFill>
+                  <a:schemeClr val="bg1"/>
+                </a:solidFill>
+              </a:rPr>
+              <a:t>Standardized XML </a:t>
+            </a:r>
+            <a:r>
+              <a:rPr lang="en-US" sz="1800" dirty="0" smtClean="0">
+                <a:solidFill>
+                  <a:schemeClr val="bg1"/>
+                </a:solidFill>
+              </a:rPr>
+              <a:t>communications</a:t>
+            </a:r>
+          </a:p>
+          <a:p>
+            <a:pPr lvl="1">
+              <a:lnSpc>
+                <a:spcPct val="150000"/>
+              </a:lnSpc>
+            </a:pPr>
+            <a:r>
+              <a:rPr lang="en-US" sz="1800" dirty="0" smtClean="0">
+                <a:solidFill>
+                  <a:schemeClr val="bg1"/>
+                </a:solidFill>
+              </a:rPr>
+              <a:t>Intelligence in the .NET-based cloud</a:t>
+            </a:r>
+          </a:p>
+          <a:p>
+            <a:pPr lvl="1">
+              <a:lnSpc>
+                <a:spcPct val="150000"/>
+              </a:lnSpc>
+            </a:pPr>
+            <a:r>
+              <a:rPr lang="en-US" sz="1800" dirty="0" smtClean="0">
+                <a:solidFill>
+                  <a:schemeClr val="bg1"/>
+                </a:solidFill>
+              </a:rPr>
+              <a:t>Windows Mobile 7 Client</a:t>
+            </a:r>
+          </a:p>
+          <a:p>
+            <a:pPr lvl="1">
+              <a:lnSpc>
+                <a:spcPct val="150000"/>
+              </a:lnSpc>
+            </a:pPr>
+            <a:r>
+              <a:rPr lang="en-US" sz="1800" dirty="0" smtClean="0">
+                <a:solidFill>
+                  <a:schemeClr val="bg1"/>
+                </a:solidFill>
+              </a:rPr>
+              <a:t>Embedded monitoring platform</a:t>
+            </a:r>
+          </a:p>
+        </p:txBody>
+      </p:sp>
     </p:spTree>
     <p:extLst>
       <p:ext uri="{BB962C8B-B14F-4D97-AF65-F5344CB8AC3E}">
-        <p14:creationId xmlns:p14="http://schemas.microsoft.com/office/powerpoint/2010/main" xmlns="" val="118908145"/>
+        <p14:creationId xmlns:p14="http://schemas.microsoft.com/office/powerpoint/2010/main" val="621533617"/>
       </p:ext>
     </p:extLst>
   </p:cSld>
   <p:clrMapOvr>
     <a:masterClrMapping/>
   </p:clrMapOvr>
-  <mc:AlternateContent xmlns:mc="http://schemas.openxmlformats.org/markup-compatibility/2006">
-    <mc:Choice xmlns:p14="http://schemas.microsoft.com/office/powerpoint/2010/main" xmlns="" Requires="p14">
-      <p:transition spd="med" p14:dur="700">
-        <p:fade/>
-      </p:transition>
-    </mc:Choice>
-    <mc:Fallback>
-      <p:transition spd="med">
-        <p:fade/>
-      </p:transition>
-    </mc:Fallback>
-  </mc:AlternateContent>
   <p:timing>
     <p:tnLst>
       <p:par>
@@ -6436,12 +8170,12 @@
         <p:spPr>
           <a:xfrm>
             <a:off x="1043608" y="1200150"/>
-            <a:ext cx="6624736" cy="4245073"/>
+            <a:ext cx="6624736" cy="4317081"/>
           </a:xfrm>
         </p:spPr>
         <p:txBody>
           <a:bodyPr>
-            <a:normAutofit lnSpcReduction="10000"/>
+            <a:normAutofit/>
           </a:bodyPr>
           <a:lstStyle/>
           <a:p>
@@ -6452,28 +8186,12 @@
               <a:buNone/>
             </a:pPr>
             <a:r>
-              <a:rPr lang="en-US" sz="2400" b="1" dirty="0">
+              <a:rPr lang="en-US" sz="2400" dirty="0" smtClean="0">
                 <a:solidFill>
                   <a:srgbClr val="00CC00"/>
                 </a:solidFill>
               </a:rPr>
-              <a:t>I</a:t>
-            </a:r>
-            <a:r>
-              <a:rPr lang="en-US" sz="2400" b="1" dirty="0" smtClean="0">
-                <a:solidFill>
-                  <a:srgbClr val="00CC00"/>
-                </a:solidFill>
-              </a:rPr>
-              <a:t>nteroperable</a:t>
-            </a:r>
-            <a:r>
-              <a:rPr lang="en-US" sz="2400" dirty="0" smtClean="0">
-                <a:solidFill>
-                  <a:srgbClr val="00CC00"/>
-                </a:solidFill>
-              </a:rPr>
-              <a:t> set of technologies</a:t>
+              <a:t>Viability</a:t>
             </a:r>
           </a:p>
           <a:p>
@@ -6483,12 +8201,20 @@
               </a:lnSpc>
             </a:pPr>
             <a:r>
+              <a:rPr lang="en-US" sz="1800" dirty="0" err="1" smtClean="0">
+                <a:solidFill>
+                  <a:schemeClr val="bg1"/>
+                </a:solidFill>
+              </a:rPr>
+              <a:t>Greendel</a:t>
+            </a:r>
+            <a:r>
               <a:rPr lang="en-US" sz="1800" dirty="0" smtClean="0">
                 <a:solidFill>
                   <a:schemeClr val="bg1"/>
                 </a:solidFill>
               </a:rPr>
-              <a:t>Microsoft Azure hosting</a:t>
+              <a:t> is more accurate and feature-rich than other solutions</a:t>
             </a:r>
           </a:p>
           <a:p>
@@ -6498,20 +8224,12 @@
               </a:lnSpc>
             </a:pPr>
             <a:r>
-              <a:rPr lang="en-US" sz="1800" dirty="0" err="1" smtClean="0">
-                <a:solidFill>
-                  <a:schemeClr val="bg1"/>
-                </a:solidFill>
-              </a:rPr>
-              <a:t>IronRuby</a:t>
-            </a:r>
-            <a:r>
               <a:rPr lang="en-US" sz="1800" dirty="0" smtClean="0">
                 <a:solidFill>
                   <a:schemeClr val="bg1"/>
                 </a:solidFill>
               </a:rPr>
-              <a:t> on Rails web scripting</a:t>
+              <a:t>Cloud hosting makes fixed costs small</a:t>
             </a:r>
           </a:p>
           <a:p>
@@ -6526,7 +8244,37 @@
                   <a:schemeClr val="bg1"/>
                 </a:solidFill>
               </a:rPr>
-              <a:t>Plugin-architecture for interacting with remote web services</a:t>
+              <a:t>Marketed to</a:t>
+            </a:r>
+          </a:p>
+          <a:p>
+            <a:pPr lvl="1">
+              <a:lnSpc>
+                <a:spcPct val="150000"/>
+              </a:lnSpc>
+            </a:pPr>
+            <a:r>
+              <a:rPr lang="en-US" sz="1800" dirty="0" smtClean="0">
+                <a:solidFill>
+                  <a:schemeClr val="bg1"/>
+                </a:solidFill>
+              </a:rPr>
+              <a:t>Energy-conscious homeowners</a:t>
+            </a:r>
+          </a:p>
+          <a:p>
+            <a:pPr lvl="1">
+              <a:lnSpc>
+                <a:spcPct val="150000"/>
+              </a:lnSpc>
+            </a:pPr>
+            <a:r>
+              <a:rPr lang="en-US" sz="1800" dirty="0" smtClean="0">
+                <a:solidFill>
+                  <a:schemeClr val="bg1"/>
+                </a:solidFill>
+              </a:rPr>
+              <a:t>Small-scale renewable energy producers</a:t>
             </a:r>
           </a:p>
           <a:p>
@@ -6535,74 +8283,18 @@
                 <a:spcPct val="150000"/>
               </a:lnSpc>
             </a:pPr>
-            <a:r>
-              <a:rPr lang="en-US" sz="1800" dirty="0">
-                <a:solidFill>
-                  <a:schemeClr val="bg1"/>
-                </a:solidFill>
-              </a:rPr>
-              <a:t>Standardized XML </a:t>
-            </a:r>
-            <a:r>
-              <a:rPr lang="en-US" sz="1800" dirty="0" smtClean="0">
-                <a:solidFill>
-                  <a:schemeClr val="bg1"/>
-                </a:solidFill>
-              </a:rPr>
-              <a:t>communications</a:t>
-            </a:r>
-          </a:p>
-          <a:p>
-            <a:pPr lvl="1">
-              <a:lnSpc>
-                <a:spcPct val="150000"/>
-              </a:lnSpc>
-            </a:pPr>
-            <a:r>
-              <a:rPr lang="en-US" sz="1800" dirty="0" smtClean="0">
-                <a:solidFill>
-                  <a:schemeClr val="bg1"/>
-                </a:solidFill>
-              </a:rPr>
-              <a:t>Intelligence in the .NET-based cloud</a:t>
-            </a:r>
-          </a:p>
-          <a:p>
-            <a:pPr lvl="1">
-              <a:lnSpc>
-                <a:spcPct val="150000"/>
-              </a:lnSpc>
-            </a:pPr>
-            <a:r>
-              <a:rPr lang="en-US" sz="1800" dirty="0" smtClean="0">
-                <a:solidFill>
-                  <a:schemeClr val="bg1"/>
-                </a:solidFill>
-              </a:rPr>
-              <a:t>Windows Mobile 7 Client</a:t>
-            </a:r>
-          </a:p>
-          <a:p>
-            <a:pPr lvl="1">
-              <a:lnSpc>
-                <a:spcPct val="150000"/>
-              </a:lnSpc>
-            </a:pPr>
-            <a:r>
-              <a:rPr lang="en-US" sz="1800" dirty="0" smtClean="0">
-                <a:solidFill>
-                  <a:schemeClr val="bg1"/>
-                </a:solidFill>
-              </a:rPr>
-              <a:t>Embedded monitoring platform</a:t>
-            </a:r>
+            <a:endParaRPr lang="en-US" sz="1800" dirty="0" smtClean="0">
+              <a:solidFill>
+                <a:schemeClr val="bg1"/>
+              </a:solidFill>
+            </a:endParaRPr>
           </a:p>
         </p:txBody>
       </p:sp>
     </p:spTree>
     <p:extLst>
       <p:ext uri="{BB962C8B-B14F-4D97-AF65-F5344CB8AC3E}">
-        <p14:creationId xmlns:p14="http://schemas.microsoft.com/office/powerpoint/2010/main" xmlns="" val="621533617"/>
+        <p14:creationId xmlns:p14="http://schemas.microsoft.com/office/powerpoint/2010/main" val="3920881233"/>
       </p:ext>
     </p:extLst>
   </p:cSld>
@@ -6648,8 +8340,8 @@
         </p:nvSpPr>
         <p:spPr>
           <a:xfrm>
-            <a:off x="1043608" y="1200150"/>
-            <a:ext cx="6624736" cy="4317081"/>
+            <a:off x="971600" y="1200150"/>
+            <a:ext cx="6768752" cy="4245074"/>
           </a:xfrm>
         </p:spPr>
         <p:txBody>
@@ -6670,7 +8362,7 @@
                   <a:srgbClr val="00CC00"/>
                 </a:solidFill>
               </a:rPr>
-              <a:t>Viability</a:t>
+              <a:t>Benefits</a:t>
             </a:r>
           </a:p>
           <a:p>
@@ -6680,20 +8372,12 @@
               </a:lnSpc>
             </a:pPr>
             <a:r>
-              <a:rPr lang="en-US" sz="1800" dirty="0" err="1" smtClean="0">
-                <a:solidFill>
-                  <a:schemeClr val="bg1"/>
-                </a:solidFill>
-              </a:rPr>
-              <a:t>Greendel</a:t>
-            </a:r>
-            <a:r>
               <a:rPr lang="en-US" sz="1800" dirty="0" smtClean="0">
                 <a:solidFill>
                   <a:schemeClr val="bg1"/>
                 </a:solidFill>
               </a:rPr>
-              <a:t> is more accurate and feature-rich than other solutions</a:t>
+              <a:t>Global encouragement for green power production</a:t>
             </a:r>
           </a:p>
           <a:p>
@@ -6708,7 +8392,23 @@
                   <a:schemeClr val="bg1"/>
                 </a:solidFill>
               </a:rPr>
-              <a:t>Cloud hosting makes fixed costs small</a:t>
+              <a:t>People are willing to pay a </a:t>
+            </a:r>
+            <a:r>
+              <a:rPr lang="en-US" sz="1800" dirty="0" smtClean="0">
+                <a:solidFill>
+                  <a:schemeClr val="bg1"/>
+                </a:solidFill>
+              </a:rPr>
+              <a:t>little </a:t>
+            </a:r>
+            <a:r>
+              <a:rPr lang="en-US" sz="1800" dirty="0" smtClean="0">
+                <a:solidFill>
+                  <a:schemeClr val="bg1"/>
+                </a:solidFill>
+              </a:rPr>
+              <a:t>in order to save a lot more money</a:t>
             </a:r>
           </a:p>
           <a:p>
@@ -6723,44 +8423,28 @@
                   <a:schemeClr val="bg1"/>
                 </a:solidFill>
               </a:rPr>
-              <a:t>Marketed to</a:t>
-            </a:r>
-          </a:p>
-          <a:p>
-            <a:pPr lvl="1">
+              <a:t>Assuming 10 percent </a:t>
+            </a:r>
+            <a:r>
+              <a:rPr lang="en-US" sz="1800" dirty="0" smtClean="0">
+                <a:solidFill>
+                  <a:schemeClr val="bg1"/>
+                </a:solidFill>
+              </a:rPr>
+              <a:t>saving in a year is 1500kWh or 60 €</a:t>
+            </a:r>
+            <a:endParaRPr lang="en-US" sz="1400" dirty="0" smtClean="0">
+              <a:solidFill>
+                <a:schemeClr val="bg1"/>
+              </a:solidFill>
+            </a:endParaRPr>
+          </a:p>
+          <a:p>
+            <a:pPr marL="0" indent="0">
               <a:lnSpc>
                 <a:spcPct val="150000"/>
               </a:lnSpc>
-            </a:pPr>
-            <a:r>
-              <a:rPr lang="en-US" sz="1800" dirty="0" smtClean="0">
-                <a:solidFill>
-                  <a:schemeClr val="bg1"/>
-                </a:solidFill>
-              </a:rPr>
-              <a:t>Energy-conscious homeowners</a:t>
-            </a:r>
-          </a:p>
-          <a:p>
-            <a:pPr lvl="1">
-              <a:lnSpc>
-                <a:spcPct val="150000"/>
-              </a:lnSpc>
-            </a:pPr>
-            <a:r>
-              <a:rPr lang="en-US" sz="1800" dirty="0" smtClean="0">
-                <a:solidFill>
-                  <a:schemeClr val="bg1"/>
-                </a:solidFill>
-              </a:rPr>
-              <a:t>Small-scale renewable energy producers</a:t>
-            </a:r>
-          </a:p>
-          <a:p>
-            <a:pPr>
-              <a:lnSpc>
-                <a:spcPct val="150000"/>
-              </a:lnSpc>
+              <a:buNone/>
             </a:pPr>
             <a:endParaRPr lang="en-US" sz="1800" dirty="0" smtClean="0">
               <a:solidFill>
@@ -6773,7 +8457,7 @@
     </p:spTree>
     <p:extLst>
       <p:ext uri="{BB962C8B-B14F-4D97-AF65-F5344CB8AC3E}">
-        <p14:creationId xmlns:p14="http://schemas.microsoft.com/office/powerpoint/2010/main" xmlns="" val="3920881233"/>
+        <p14:creationId xmlns:p14="http://schemas.microsoft.com/office/powerpoint/2010/main" val="1852724108"/>
       </p:ext>
     </p:extLst>
   </p:cSld>
